--- a/2024/pss_a/New.pptx
+++ b/2024/pss_a/New.pptx
@@ -262,7 +262,7 @@
           <a:p>
             <a:fld id="{3D1CAED6-1CB0-4158-A97B-4DA3BE2D9695}" type="datetimeFigureOut">
               <a:rPr lang="ru-UA" smtClean="0"/>
-              <a:t>28.03.2024</a:t>
+              <a:t>29.03.2024</a:t>
             </a:fld>
             <a:endParaRPr lang="ru-UA"/>
           </a:p>
@@ -316,7 +316,7 @@
           <a:p>
             <a:fld id="{9B6C3F98-3094-40BA-B608-D4E46ABCE9B6}" type="slidenum">
               <a:rPr lang="ru-UA" smtClean="0"/>
-              <a:t>‹#›</a:t>
+              <a:t>‹№›</a:t>
             </a:fld>
             <a:endParaRPr lang="ru-UA"/>
           </a:p>
@@ -462,7 +462,7 @@
           <a:p>
             <a:fld id="{3D1CAED6-1CB0-4158-A97B-4DA3BE2D9695}" type="datetimeFigureOut">
               <a:rPr lang="ru-UA" smtClean="0"/>
-              <a:t>28.03.2024</a:t>
+              <a:t>29.03.2024</a:t>
             </a:fld>
             <a:endParaRPr lang="ru-UA"/>
           </a:p>
@@ -516,7 +516,7 @@
           <a:p>
             <a:fld id="{9B6C3F98-3094-40BA-B608-D4E46ABCE9B6}" type="slidenum">
               <a:rPr lang="ru-UA" smtClean="0"/>
-              <a:t>‹#›</a:t>
+              <a:t>‹№›</a:t>
             </a:fld>
             <a:endParaRPr lang="ru-UA"/>
           </a:p>
@@ -672,7 +672,7 @@
           <a:p>
             <a:fld id="{3D1CAED6-1CB0-4158-A97B-4DA3BE2D9695}" type="datetimeFigureOut">
               <a:rPr lang="ru-UA" smtClean="0"/>
-              <a:t>28.03.2024</a:t>
+              <a:t>29.03.2024</a:t>
             </a:fld>
             <a:endParaRPr lang="ru-UA"/>
           </a:p>
@@ -726,7 +726,7 @@
           <a:p>
             <a:fld id="{9B6C3F98-3094-40BA-B608-D4E46ABCE9B6}" type="slidenum">
               <a:rPr lang="ru-UA" smtClean="0"/>
-              <a:t>‹#›</a:t>
+              <a:t>‹№›</a:t>
             </a:fld>
             <a:endParaRPr lang="ru-UA"/>
           </a:p>
@@ -872,7 +872,7 @@
           <a:p>
             <a:fld id="{3D1CAED6-1CB0-4158-A97B-4DA3BE2D9695}" type="datetimeFigureOut">
               <a:rPr lang="ru-UA" smtClean="0"/>
-              <a:t>28.03.2024</a:t>
+              <a:t>29.03.2024</a:t>
             </a:fld>
             <a:endParaRPr lang="ru-UA"/>
           </a:p>
@@ -926,7 +926,7 @@
           <a:p>
             <a:fld id="{9B6C3F98-3094-40BA-B608-D4E46ABCE9B6}" type="slidenum">
               <a:rPr lang="ru-UA" smtClean="0"/>
-              <a:t>‹#›</a:t>
+              <a:t>‹№›</a:t>
             </a:fld>
             <a:endParaRPr lang="ru-UA"/>
           </a:p>
@@ -1148,7 +1148,7 @@
           <a:p>
             <a:fld id="{3D1CAED6-1CB0-4158-A97B-4DA3BE2D9695}" type="datetimeFigureOut">
               <a:rPr lang="ru-UA" smtClean="0"/>
-              <a:t>28.03.2024</a:t>
+              <a:t>29.03.2024</a:t>
             </a:fld>
             <a:endParaRPr lang="ru-UA"/>
           </a:p>
@@ -1202,7 +1202,7 @@
           <a:p>
             <a:fld id="{9B6C3F98-3094-40BA-B608-D4E46ABCE9B6}" type="slidenum">
               <a:rPr lang="ru-UA" smtClean="0"/>
-              <a:t>‹#›</a:t>
+              <a:t>‹№›</a:t>
             </a:fld>
             <a:endParaRPr lang="ru-UA"/>
           </a:p>
@@ -1416,7 +1416,7 @@
           <a:p>
             <a:fld id="{3D1CAED6-1CB0-4158-A97B-4DA3BE2D9695}" type="datetimeFigureOut">
               <a:rPr lang="ru-UA" smtClean="0"/>
-              <a:t>28.03.2024</a:t>
+              <a:t>29.03.2024</a:t>
             </a:fld>
             <a:endParaRPr lang="ru-UA"/>
           </a:p>
@@ -1470,7 +1470,7 @@
           <a:p>
             <a:fld id="{9B6C3F98-3094-40BA-B608-D4E46ABCE9B6}" type="slidenum">
               <a:rPr lang="ru-UA" smtClean="0"/>
-              <a:t>‹#›</a:t>
+              <a:t>‹№›</a:t>
             </a:fld>
             <a:endParaRPr lang="ru-UA"/>
           </a:p>
@@ -1831,7 +1831,7 @@
           <a:p>
             <a:fld id="{3D1CAED6-1CB0-4158-A97B-4DA3BE2D9695}" type="datetimeFigureOut">
               <a:rPr lang="ru-UA" smtClean="0"/>
-              <a:t>28.03.2024</a:t>
+              <a:t>29.03.2024</a:t>
             </a:fld>
             <a:endParaRPr lang="ru-UA"/>
           </a:p>
@@ -1885,7 +1885,7 @@
           <a:p>
             <a:fld id="{9B6C3F98-3094-40BA-B608-D4E46ABCE9B6}" type="slidenum">
               <a:rPr lang="ru-UA" smtClean="0"/>
-              <a:t>‹#›</a:t>
+              <a:t>‹№›</a:t>
             </a:fld>
             <a:endParaRPr lang="ru-UA"/>
           </a:p>
@@ -1973,7 +1973,7 @@
           <a:p>
             <a:fld id="{3D1CAED6-1CB0-4158-A97B-4DA3BE2D9695}" type="datetimeFigureOut">
               <a:rPr lang="ru-UA" smtClean="0"/>
-              <a:t>28.03.2024</a:t>
+              <a:t>29.03.2024</a:t>
             </a:fld>
             <a:endParaRPr lang="ru-UA"/>
           </a:p>
@@ -2027,7 +2027,7 @@
           <a:p>
             <a:fld id="{9B6C3F98-3094-40BA-B608-D4E46ABCE9B6}" type="slidenum">
               <a:rPr lang="ru-UA" smtClean="0"/>
-              <a:t>‹#›</a:t>
+              <a:t>‹№›</a:t>
             </a:fld>
             <a:endParaRPr lang="ru-UA"/>
           </a:p>
@@ -2086,7 +2086,7 @@
           <a:p>
             <a:fld id="{3D1CAED6-1CB0-4158-A97B-4DA3BE2D9695}" type="datetimeFigureOut">
               <a:rPr lang="ru-UA" smtClean="0"/>
-              <a:t>28.03.2024</a:t>
+              <a:t>29.03.2024</a:t>
             </a:fld>
             <a:endParaRPr lang="ru-UA"/>
           </a:p>
@@ -2140,7 +2140,7 @@
           <a:p>
             <a:fld id="{9B6C3F98-3094-40BA-B608-D4E46ABCE9B6}" type="slidenum">
               <a:rPr lang="ru-UA" smtClean="0"/>
-              <a:t>‹#›</a:t>
+              <a:t>‹№›</a:t>
             </a:fld>
             <a:endParaRPr lang="ru-UA"/>
           </a:p>
@@ -2399,7 +2399,7 @@
           <a:p>
             <a:fld id="{3D1CAED6-1CB0-4158-A97B-4DA3BE2D9695}" type="datetimeFigureOut">
               <a:rPr lang="ru-UA" smtClean="0"/>
-              <a:t>28.03.2024</a:t>
+              <a:t>29.03.2024</a:t>
             </a:fld>
             <a:endParaRPr lang="ru-UA"/>
           </a:p>
@@ -2453,7 +2453,7 @@
           <a:p>
             <a:fld id="{9B6C3F98-3094-40BA-B608-D4E46ABCE9B6}" type="slidenum">
               <a:rPr lang="ru-UA" smtClean="0"/>
-              <a:t>‹#›</a:t>
+              <a:t>‹№›</a:t>
             </a:fld>
             <a:endParaRPr lang="ru-UA"/>
           </a:p>
@@ -2688,7 +2688,7 @@
           <a:p>
             <a:fld id="{3D1CAED6-1CB0-4158-A97B-4DA3BE2D9695}" type="datetimeFigureOut">
               <a:rPr lang="ru-UA" smtClean="0"/>
-              <a:t>28.03.2024</a:t>
+              <a:t>29.03.2024</a:t>
             </a:fld>
             <a:endParaRPr lang="ru-UA"/>
           </a:p>
@@ -2742,7 +2742,7 @@
           <a:p>
             <a:fld id="{9B6C3F98-3094-40BA-B608-D4E46ABCE9B6}" type="slidenum">
               <a:rPr lang="ru-UA" smtClean="0"/>
-              <a:t>‹#›</a:t>
+              <a:t>‹№›</a:t>
             </a:fld>
             <a:endParaRPr lang="ru-UA"/>
           </a:p>
@@ -2931,7 +2931,7 @@
           <a:p>
             <a:fld id="{3D1CAED6-1CB0-4158-A97B-4DA3BE2D9695}" type="datetimeFigureOut">
               <a:rPr lang="ru-UA" smtClean="0"/>
-              <a:t>28.03.2024</a:t>
+              <a:t>29.03.2024</a:t>
             </a:fld>
             <a:endParaRPr lang="ru-UA"/>
           </a:p>
@@ -3021,7 +3021,7 @@
           <a:p>
             <a:fld id="{9B6C3F98-3094-40BA-B608-D4E46ABCE9B6}" type="slidenum">
               <a:rPr lang="ru-UA" smtClean="0"/>
-              <a:t>‹#›</a:t>
+              <a:t>‹№›</a:t>
             </a:fld>
             <a:endParaRPr lang="ru-UA"/>
           </a:p>
@@ -4425,7 +4425,7 @@
         </p:nvSpPr>
         <p:spPr>
           <a:xfrm>
-            <a:off x="646043" y="357808"/>
+            <a:off x="950417" y="312418"/>
             <a:ext cx="2504661" cy="1406013"/>
           </a:xfrm>
           <a:prstGeom prst="roundRect">
@@ -4433,6 +4433,20 @@
           </a:prstGeom>
           <a:noFill/>
           <a:ln w="28575"/>
+          <a:effectLst>
+            <a:outerShdw blurRad="50800" dist="38100" algn="l" rotWithShape="0">
+              <a:prstClr val="black">
+                <a:alpha val="40000"/>
+              </a:prstClr>
+            </a:outerShdw>
+          </a:effectLst>
+          <a:scene3d>
+            <a:camera prst="orthographicFront"/>
+            <a:lightRig rig="threePt" dir="t"/>
+          </a:scene3d>
+          <a:sp3d>
+            <a:bevelT/>
+          </a:sp3d>
         </p:spPr>
         <p:style>
           <a:lnRef idx="2">
@@ -4503,7 +4517,7 @@
         </p:blipFill>
         <p:spPr>
           <a:xfrm>
-            <a:off x="725556" y="984707"/>
+            <a:off x="1029930" y="939317"/>
             <a:ext cx="784316" cy="570543"/>
           </a:xfrm>
           <a:prstGeom prst="rect">
@@ -4533,7 +4547,7 @@
         </p:blipFill>
         <p:spPr>
           <a:xfrm>
-            <a:off x="2276936" y="1000246"/>
+            <a:off x="2581310" y="954856"/>
             <a:ext cx="784316" cy="555004"/>
           </a:xfrm>
           <a:prstGeom prst="rect">
@@ -4555,7 +4569,7 @@
         </p:nvSpPr>
         <p:spPr>
           <a:xfrm>
-            <a:off x="2268791" y="1460907"/>
+            <a:off x="2573165" y="1415517"/>
             <a:ext cx="792461" cy="338554"/>
           </a:xfrm>
           <a:prstGeom prst="rect">
@@ -4591,7 +4605,7 @@
         </p:nvSpPr>
         <p:spPr>
           <a:xfrm>
-            <a:off x="1898373" y="925311"/>
+            <a:off x="2202747" y="879921"/>
             <a:ext cx="430887" cy="704873"/>
           </a:xfrm>
           <a:prstGeom prst="rect">
@@ -4635,7 +4649,7 @@
         </p:blipFill>
         <p:spPr>
           <a:xfrm>
-            <a:off x="1629141" y="977844"/>
+            <a:off x="1933515" y="932454"/>
             <a:ext cx="339170" cy="289964"/>
           </a:xfrm>
           <a:prstGeom prst="rect">
@@ -4665,7 +4679,7 @@
         </p:blipFill>
         <p:spPr>
           <a:xfrm>
-            <a:off x="1663255" y="1302800"/>
+            <a:off x="1967629" y="1257410"/>
             <a:ext cx="214191" cy="289964"/>
           </a:xfrm>
           <a:prstGeom prst="rect">
@@ -4687,7 +4701,7 @@
         </p:nvSpPr>
         <p:spPr>
           <a:xfrm>
-            <a:off x="646042" y="2648150"/>
+            <a:off x="950417" y="2541219"/>
             <a:ext cx="2504661" cy="1406013"/>
           </a:xfrm>
           <a:prstGeom prst="roundRect">
@@ -4695,6 +4709,13 @@
           </a:prstGeom>
           <a:noFill/>
           <a:ln w="28575"/>
+          <a:effectLst>
+            <a:outerShdw blurRad="50800" dist="38100" algn="l" rotWithShape="0">
+              <a:prstClr val="black">
+                <a:alpha val="40000"/>
+              </a:prstClr>
+            </a:outerShdw>
+          </a:effectLst>
         </p:spPr>
         <p:style>
           <a:lnRef idx="2">
@@ -4765,8 +4786,8 @@
         </p:blipFill>
         <p:spPr>
           <a:xfrm>
-            <a:off x="1033679" y="3351156"/>
-            <a:ext cx="632996" cy="641356"/>
+            <a:off x="2051236" y="3215543"/>
+            <a:ext cx="459712" cy="465783"/>
           </a:xfrm>
           <a:prstGeom prst="rect">
             <a:avLst/>
@@ -4795,7 +4816,7 @@
         </p:blipFill>
         <p:spPr>
           <a:xfrm>
-            <a:off x="1862598" y="3495621"/>
+            <a:off x="2907350" y="3289381"/>
             <a:ext cx="414338" cy="352425"/>
           </a:xfrm>
           <a:prstGeom prst="rect">
@@ -4825,14 +4846,44 @@
         </p:blipFill>
         <p:spPr>
           <a:xfrm>
-            <a:off x="2495312" y="3391376"/>
-            <a:ext cx="414338" cy="560914"/>
+            <a:off x="2555048" y="3488303"/>
+            <a:ext cx="304091" cy="411666"/>
           </a:xfrm>
           <a:prstGeom prst="rect">
             <a:avLst/>
           </a:prstGeom>
         </p:spPr>
       </p:pic>
+      <p:pic>
+        <p:nvPicPr>
+          <p:cNvPr id="18" name="Рисунок 9">
+            <a:extLst>
+              <a:ext uri="{FF2B5EF4-FFF2-40B4-BE49-F238E27FC236}">
+                <a16:creationId xmlns:a16="http://schemas.microsoft.com/office/drawing/2014/main" id="{D4095CFE-1CD4-CB37-08F5-BD5BC26F05C1}"/>
+              </a:ext>
+            </a:extLst>
+          </p:cNvPr>
+          <p:cNvPicPr>
+            <a:picLocks noChangeAspect="1"/>
+          </p:cNvPicPr>
+          <p:nvPr/>
+        </p:nvPicPr>
+        <p:blipFill>
+          <a:blip r:embed="rId7"/>
+          <a:stretch>
+            <a:fillRect/>
+          </a:stretch>
+        </p:blipFill>
+        <p:spPr>
+          <a:xfrm rot="16200000">
+            <a:off x="2374141" y="2001709"/>
+            <a:ext cx="414338" cy="352425"/>
+          </a:xfrm>
+          <a:prstGeom prst="rect">
+            <a:avLst/>
+          </a:prstGeom>
+        </p:spPr>
+      </p:pic>
       <p:sp>
         <p:nvSpPr>
           <p:cNvPr id="24" name="Rectangle: Rounded Corners 23">
@@ -4847,7 +4898,7 @@
         </p:nvSpPr>
         <p:spPr>
           <a:xfrm>
-            <a:off x="4342437" y="357808"/>
+            <a:off x="4385933" y="305544"/>
             <a:ext cx="2504661" cy="1406013"/>
           </a:xfrm>
           <a:prstGeom prst="roundRect">
@@ -4855,6 +4906,13 @@
           </a:prstGeom>
           <a:noFill/>
           <a:ln w="28575"/>
+          <a:effectLst>
+            <a:outerShdw blurRad="50800" dist="38100" algn="l" rotWithShape="0">
+              <a:prstClr val="black">
+                <a:alpha val="40000"/>
+              </a:prstClr>
+            </a:outerShdw>
+          </a:effectLst>
         </p:spPr>
         <p:style>
           <a:lnRef idx="2">
@@ -4927,7 +4985,7 @@
         </p:blipFill>
         <p:spPr>
           <a:xfrm>
-            <a:off x="5866764" y="922470"/>
+            <a:off x="5910260" y="870206"/>
             <a:ext cx="878623" cy="617563"/>
           </a:xfrm>
           <a:prstGeom prst="rect">
@@ -4949,7 +5007,7 @@
         </p:nvSpPr>
         <p:spPr>
           <a:xfrm>
-            <a:off x="6022984" y="1474655"/>
+            <a:off x="6066480" y="1422391"/>
             <a:ext cx="566181" cy="338554"/>
           </a:xfrm>
           <a:prstGeom prst="rect">
@@ -4985,7 +5043,7 @@
         </p:nvSpPr>
         <p:spPr>
           <a:xfrm>
-            <a:off x="5396911" y="745813"/>
+            <a:off x="5440407" y="693549"/>
             <a:ext cx="536942" cy="1031885"/>
           </a:xfrm>
           <a:prstGeom prst="rect">
@@ -5045,7 +5103,7 @@
         </p:blipFill>
         <p:spPr>
           <a:xfrm flipH="1">
-            <a:off x="4483666" y="824704"/>
+            <a:off x="4527162" y="772440"/>
             <a:ext cx="703036" cy="443917"/>
           </a:xfrm>
           <a:prstGeom prst="rect">
@@ -5075,7 +5133,7 @@
         </p:blipFill>
         <p:spPr>
           <a:xfrm>
-            <a:off x="4501881" y="1268621"/>
+            <a:off x="4545377" y="1216357"/>
             <a:ext cx="805578" cy="475165"/>
           </a:xfrm>
           <a:prstGeom prst="rect">
@@ -5083,12 +5141,200 @@
           </a:prstGeom>
         </p:spPr>
       </p:pic>
-      <p:sp>
-        <p:nvSpPr>
-          <p:cNvPr id="33" name="Rectangle: Rounded Corners 32">
-            <a:extLst>
-              <a:ext uri="{FF2B5EF4-FFF2-40B4-BE49-F238E27FC236}">
-                <a16:creationId xmlns:a16="http://schemas.microsoft.com/office/drawing/2014/main" id="{2096CAFD-D33B-1A17-9ABA-E2D3451AA8CE}"/>
+      <p:grpSp>
+        <p:nvGrpSpPr>
+          <p:cNvPr id="62" name="Групувати 61">
+            <a:extLst>
+              <a:ext uri="{FF2B5EF4-FFF2-40B4-BE49-F238E27FC236}">
+                <a16:creationId xmlns:a16="http://schemas.microsoft.com/office/drawing/2014/main" id="{61E192D3-5726-3147-9416-0616B49FF37F}"/>
+              </a:ext>
+            </a:extLst>
+          </p:cNvPr>
+          <p:cNvGrpSpPr/>
+          <p:nvPr/>
+        </p:nvGrpSpPr>
+        <p:grpSpPr>
+          <a:xfrm>
+            <a:off x="4299477" y="4852763"/>
+            <a:ext cx="2745580" cy="1406013"/>
+            <a:chOff x="4299477" y="4852763"/>
+            <a:chExt cx="2745580" cy="1406013"/>
+          </a:xfrm>
+          <a:effectLst>
+            <a:outerShdw blurRad="50800" dist="38100" algn="l" rotWithShape="0">
+              <a:prstClr val="black">
+                <a:alpha val="40000"/>
+              </a:prstClr>
+            </a:outerShdw>
+          </a:effectLst>
+        </p:grpSpPr>
+        <p:sp>
+          <p:nvSpPr>
+            <p:cNvPr id="33" name="Rectangle: Rounded Corners 32">
+              <a:extLst>
+                <a:ext uri="{FF2B5EF4-FFF2-40B4-BE49-F238E27FC236}">
+                  <a16:creationId xmlns:a16="http://schemas.microsoft.com/office/drawing/2014/main" id="{2096CAFD-D33B-1A17-9ABA-E2D3451AA8CE}"/>
+                </a:ext>
+              </a:extLst>
+            </p:cNvPr>
+            <p:cNvSpPr/>
+            <p:nvPr/>
+          </p:nvSpPr>
+          <p:spPr>
+            <a:xfrm>
+              <a:off x="4299477" y="4852763"/>
+              <a:ext cx="2745580" cy="1406013"/>
+            </a:xfrm>
+            <a:prstGeom prst="roundRect">
+              <a:avLst/>
+            </a:prstGeom>
+            <a:noFill/>
+            <a:ln w="28575"/>
+          </p:spPr>
+          <p:style>
+            <a:lnRef idx="2">
+              <a:schemeClr val="accent1">
+                <a:shade val="15000"/>
+              </a:schemeClr>
+            </a:lnRef>
+            <a:fillRef idx="1">
+              <a:schemeClr val="accent1"/>
+            </a:fillRef>
+            <a:effectRef idx="0">
+              <a:schemeClr val="accent1"/>
+            </a:effectRef>
+            <a:fontRef idx="minor">
+              <a:schemeClr val="lt1"/>
+            </a:fontRef>
+          </p:style>
+          <p:txBody>
+            <a:bodyPr rtlCol="0" anchor="t" anchorCtr="0"/>
+            <a:lstStyle/>
+            <a:p>
+              <a:pPr algn="ctr">
+                <a:lnSpc>
+                  <a:spcPts val="2500"/>
+                </a:lnSpc>
+              </a:pPr>
+              <a:r>
+                <a:rPr lang="en-US" sz="2800" b="1" dirty="0">
+                  <a:solidFill>
+                    <a:schemeClr val="tx1"/>
+                  </a:solidFill>
+                </a:rPr>
+                <a:t>lamps’ characterization </a:t>
+              </a:r>
+              <a:endParaRPr lang="ru-UA" sz="2800" b="1" dirty="0">
+                <a:solidFill>
+                  <a:schemeClr val="tx1"/>
+                </a:solidFill>
+              </a:endParaRPr>
+            </a:p>
+          </p:txBody>
+        </p:sp>
+        <p:pic>
+          <p:nvPicPr>
+            <p:cNvPr id="34" name="Picture 33">
+              <a:extLst>
+                <a:ext uri="{FF2B5EF4-FFF2-40B4-BE49-F238E27FC236}">
+                  <a16:creationId xmlns:a16="http://schemas.microsoft.com/office/drawing/2014/main" id="{CEAB256F-1262-A3C0-5C46-86F6BD5793D1}"/>
+                </a:ext>
+              </a:extLst>
+            </p:cNvPr>
+            <p:cNvPicPr>
+              <a:picLocks noChangeAspect="1"/>
+            </p:cNvPicPr>
+            <p:nvPr/>
+          </p:nvPicPr>
+          <p:blipFill>
+            <a:blip r:embed="rId11"/>
+            <a:stretch>
+              <a:fillRect/>
+            </a:stretch>
+          </p:blipFill>
+          <p:spPr>
+            <a:xfrm>
+              <a:off x="5110882" y="5642248"/>
+              <a:ext cx="708564" cy="515061"/>
+            </a:xfrm>
+            <a:prstGeom prst="rect">
+              <a:avLst/>
+            </a:prstGeom>
+          </p:spPr>
+        </p:pic>
+        <p:pic>
+          <p:nvPicPr>
+            <p:cNvPr id="35" name="Рисунок 8">
+              <a:extLst>
+                <a:ext uri="{FF2B5EF4-FFF2-40B4-BE49-F238E27FC236}">
+                  <a16:creationId xmlns:a16="http://schemas.microsoft.com/office/drawing/2014/main" id="{4725EDF0-2C87-D965-4674-686C9E55F8B1}"/>
+                </a:ext>
+              </a:extLst>
+            </p:cNvPr>
+            <p:cNvPicPr>
+              <a:picLocks noChangeAspect="1"/>
+            </p:cNvPicPr>
+            <p:nvPr/>
+          </p:nvPicPr>
+          <p:blipFill>
+            <a:blip r:embed="rId6">
+              <a:extLst>
+                <a:ext uri="{28A0092B-C50C-407E-A947-70E740481C1C}">
+                  <a14:useLocalDpi xmlns:a14="http://schemas.microsoft.com/office/drawing/2010/main" val="0"/>
+                </a:ext>
+              </a:extLst>
+            </a:blip>
+            <a:stretch>
+              <a:fillRect/>
+            </a:stretch>
+          </p:blipFill>
+          <p:spPr>
+            <a:xfrm>
+              <a:off x="4390802" y="5558141"/>
+              <a:ext cx="632996" cy="641356"/>
+            </a:xfrm>
+            <a:prstGeom prst="rect">
+              <a:avLst/>
+            </a:prstGeom>
+          </p:spPr>
+        </p:pic>
+        <p:pic>
+          <p:nvPicPr>
+            <p:cNvPr id="36" name="Picture 35">
+              <a:extLst>
+                <a:ext uri="{FF2B5EF4-FFF2-40B4-BE49-F238E27FC236}">
+                  <a16:creationId xmlns:a16="http://schemas.microsoft.com/office/drawing/2014/main" id="{EB6333CE-AD45-A899-8A7A-268F689A024F}"/>
+                </a:ext>
+              </a:extLst>
+            </p:cNvPr>
+            <p:cNvPicPr>
+              <a:picLocks noChangeAspect="1"/>
+            </p:cNvPicPr>
+            <p:nvPr/>
+          </p:nvPicPr>
+          <p:blipFill>
+            <a:blip r:embed="rId12"/>
+            <a:stretch>
+              <a:fillRect/>
+            </a:stretch>
+          </p:blipFill>
+          <p:spPr>
+            <a:xfrm>
+              <a:off x="5980112" y="5641659"/>
+              <a:ext cx="837094" cy="515650"/>
+            </a:xfrm>
+            <a:prstGeom prst="rect">
+              <a:avLst/>
+            </a:prstGeom>
+          </p:spPr>
+        </p:pic>
+      </p:grpSp>
+      <p:sp>
+        <p:nvSpPr>
+          <p:cNvPr id="37" name="Rectangle: Rounded Corners 36">
+            <a:extLst>
+              <a:ext uri="{FF2B5EF4-FFF2-40B4-BE49-F238E27FC236}">
+                <a16:creationId xmlns:a16="http://schemas.microsoft.com/office/drawing/2014/main" id="{07B04FE0-95C6-6A55-8E11-370C29EB0AAE}"/>
               </a:ext>
             </a:extLst>
           </p:cNvPr>
@@ -5097,14 +5343,21 @@
         </p:nvSpPr>
         <p:spPr>
           <a:xfrm>
-            <a:off x="4282164" y="5191290"/>
-            <a:ext cx="2943974" cy="1406013"/>
+            <a:off x="4385933" y="2555913"/>
+            <a:ext cx="2504661" cy="1406013"/>
           </a:xfrm>
           <a:prstGeom prst="roundRect">
             <a:avLst/>
           </a:prstGeom>
           <a:noFill/>
           <a:ln w="28575"/>
+          <a:effectLst>
+            <a:outerShdw blurRad="50800" dist="38100" algn="l" rotWithShape="0">
+              <a:prstClr val="black">
+                <a:alpha val="40000"/>
+              </a:prstClr>
+            </a:outerShdw>
+          </a:effectLst>
         </p:spPr>
         <p:style>
           <a:lnRef idx="2">
@@ -5123,7 +5376,7 @@
           </a:fontRef>
         </p:style>
         <p:txBody>
-          <a:bodyPr rtlCol="0" anchor="t" anchorCtr="0"/>
+          <a:bodyPr lIns="0" rIns="36000" rtlCol="0" anchor="t" anchorCtr="0"/>
           <a:lstStyle/>
           <a:p>
             <a:pPr algn="ctr">
@@ -5137,7 +5390,35 @@
                   <a:schemeClr val="tx1"/>
                 </a:solidFill>
               </a:rPr>
-              <a:t>lamps’ characterization </a:t>
+              <a:t>quantifying </a:t>
+            </a:r>
+            <a:r>
+              <a:rPr lang="en-US" sz="2800" b="1" dirty="0" err="1">
+                <a:solidFill>
+                  <a:schemeClr val="tx1"/>
+                </a:solidFill>
+              </a:rPr>
+              <a:t>FeB</a:t>
+            </a:r>
+            <a:endParaRPr lang="en-US" sz="2800" b="1" dirty="0">
+              <a:solidFill>
+                <a:schemeClr val="tx1"/>
+              </a:solidFill>
+            </a:endParaRPr>
+          </a:p>
+          <a:p>
+            <a:pPr algn="r">
+              <a:lnSpc>
+                <a:spcPts val="3500"/>
+              </a:lnSpc>
+            </a:pPr>
+            <a:r>
+              <a:rPr lang="en-US" sz="2800" b="1" dirty="0">
+                <a:solidFill>
+                  <a:schemeClr val="tx1"/>
+                </a:solidFill>
+              </a:rPr>
+              <a:t> decay </a:t>
             </a:r>
             <a:endParaRPr lang="ru-UA" sz="2800" b="1" dirty="0">
               <a:solidFill>
@@ -5149,10 +5430,10 @@
       </p:sp>
       <p:pic>
         <p:nvPicPr>
-          <p:cNvPr id="34" name="Picture 33">
-            <a:extLst>
-              <a:ext uri="{FF2B5EF4-FFF2-40B4-BE49-F238E27FC236}">
-                <a16:creationId xmlns:a16="http://schemas.microsoft.com/office/drawing/2014/main" id="{CEAB256F-1262-A3C0-5C46-86F6BD5793D1}"/>
+          <p:cNvPr id="38" name="Рисунок 18">
+            <a:extLst>
+              <a:ext uri="{FF2B5EF4-FFF2-40B4-BE49-F238E27FC236}">
+                <a16:creationId xmlns:a16="http://schemas.microsoft.com/office/drawing/2014/main" id="{7A26B514-0150-D2B0-61EB-6DE01CD1DA3A}"/>
               </a:ext>
             </a:extLst>
           </p:cNvPr>
@@ -5162,27 +5443,217 @@
           <p:nvPr/>
         </p:nvPicPr>
         <p:blipFill>
-          <a:blip r:embed="rId11"/>
+          <a:blip r:embed="rId13"/>
           <a:stretch>
             <a:fillRect/>
           </a:stretch>
         </p:blipFill>
         <p:spPr>
           <a:xfrm>
-            <a:off x="5226770" y="5985131"/>
-            <a:ext cx="708564" cy="515061"/>
+            <a:off x="4893124" y="3051103"/>
+            <a:ext cx="933225" cy="662744"/>
           </a:xfrm>
           <a:prstGeom prst="rect">
             <a:avLst/>
           </a:prstGeom>
         </p:spPr>
       </p:pic>
+      <p:sp>
+        <p:nvSpPr>
+          <p:cNvPr id="39" name="TextBox 38">
+            <a:extLst>
+              <a:ext uri="{FF2B5EF4-FFF2-40B4-BE49-F238E27FC236}">
+                <a16:creationId xmlns:a16="http://schemas.microsoft.com/office/drawing/2014/main" id="{74271C21-4C6D-89E7-EC01-18D27313AE36}"/>
+              </a:ext>
+            </a:extLst>
+          </p:cNvPr>
+          <p:cNvSpPr txBox="1"/>
+          <p:nvPr/>
+        </p:nvSpPr>
+        <p:spPr>
+          <a:xfrm>
+            <a:off x="4545377" y="3633311"/>
+            <a:ext cx="1609415" cy="338554"/>
+          </a:xfrm>
+          <a:prstGeom prst="rect">
+            <a:avLst/>
+          </a:prstGeom>
+          <a:noFill/>
+        </p:spPr>
+        <p:txBody>
+          <a:bodyPr wrap="none" rtlCol="0">
+            <a:spAutoFit/>
+          </a:bodyPr>
+          <a:lstStyle/>
+          <a:p>
+            <a:r>
+              <a:rPr lang="en-US" sz="1600" dirty="0"/>
+              <a:t>Illumination time</a:t>
+            </a:r>
+            <a:endParaRPr lang="ru-UA" sz="1600" dirty="0"/>
+          </a:p>
+        </p:txBody>
+      </p:sp>
+      <p:sp>
+        <p:nvSpPr>
+          <p:cNvPr id="40" name="TextBox 39">
+            <a:extLst>
+              <a:ext uri="{FF2B5EF4-FFF2-40B4-BE49-F238E27FC236}">
+                <a16:creationId xmlns:a16="http://schemas.microsoft.com/office/drawing/2014/main" id="{AEB31885-6411-0624-0E96-F841107D69D8}"/>
+              </a:ext>
+            </a:extLst>
+          </p:cNvPr>
+          <p:cNvSpPr txBox="1"/>
+          <p:nvPr/>
+        </p:nvSpPr>
+        <p:spPr>
+          <a:xfrm>
+            <a:off x="4545377" y="3145455"/>
+            <a:ext cx="383054" cy="474040"/>
+          </a:xfrm>
+          <a:prstGeom prst="rect">
+            <a:avLst/>
+          </a:prstGeom>
+          <a:noFill/>
+        </p:spPr>
+        <p:txBody>
+          <a:bodyPr vert="vert270" wrap="none" rtlCol="0">
+            <a:spAutoFit/>
+          </a:bodyPr>
+          <a:lstStyle/>
+          <a:p>
+            <a:pPr algn="ctr">
+              <a:lnSpc>
+                <a:spcPts val="1500"/>
+              </a:lnSpc>
+            </a:pPr>
+            <a:r>
+              <a:rPr lang="en-US" sz="1600" dirty="0"/>
+              <a:t>[Fe</a:t>
+            </a:r>
+            <a:r>
+              <a:rPr lang="en-US" sz="1600" baseline="-25000" dirty="0"/>
+              <a:t>i </a:t>
+            </a:r>
+            <a:r>
+              <a:rPr lang="en-US" sz="1600" dirty="0"/>
+              <a:t>]</a:t>
+            </a:r>
+            <a:endParaRPr lang="ru-UA" sz="1600" dirty="0"/>
+          </a:p>
+        </p:txBody>
+      </p:sp>
+      <p:sp>
+        <p:nvSpPr>
+          <p:cNvPr id="42" name="TextBox 41">
+            <a:extLst>
+              <a:ext uri="{FF2B5EF4-FFF2-40B4-BE49-F238E27FC236}">
+                <a16:creationId xmlns:a16="http://schemas.microsoft.com/office/drawing/2014/main" id="{1CF6EB7E-EB4B-32B3-8330-90231246CD02}"/>
+              </a:ext>
+            </a:extLst>
+          </p:cNvPr>
+          <p:cNvSpPr txBox="1"/>
+          <p:nvPr/>
+        </p:nvSpPr>
+        <p:spPr>
+          <a:xfrm>
+            <a:off x="8484946" y="3496497"/>
+            <a:ext cx="1728358" cy="431785"/>
+          </a:xfrm>
+          <a:prstGeom prst="rect">
+            <a:avLst/>
+          </a:prstGeom>
+          <a:noFill/>
+        </p:spPr>
+        <p:txBody>
+          <a:bodyPr wrap="square" rtlCol="0">
+            <a:spAutoFit/>
+          </a:bodyPr>
+          <a:lstStyle/>
+          <a:p>
+            <a:pPr>
+              <a:lnSpc>
+                <a:spcPts val="1400"/>
+              </a:lnSpc>
+            </a:pPr>
+            <a:r>
+              <a:rPr lang="en-US" sz="1600" dirty="0"/>
+              <a:t>carrier generation </a:t>
+            </a:r>
+          </a:p>
+          <a:p>
+            <a:pPr algn="ctr">
+              <a:lnSpc>
+                <a:spcPts val="1100"/>
+              </a:lnSpc>
+            </a:pPr>
+            <a:r>
+              <a:rPr lang="en-US" sz="1600" dirty="0"/>
+              <a:t>rate</a:t>
+            </a:r>
+            <a:endParaRPr lang="ru-UA" sz="1600" dirty="0"/>
+          </a:p>
+        </p:txBody>
+      </p:sp>
+      <p:sp>
+        <p:nvSpPr>
+          <p:cNvPr id="43" name="TextBox 42">
+            <a:extLst>
+              <a:ext uri="{FF2B5EF4-FFF2-40B4-BE49-F238E27FC236}">
+                <a16:creationId xmlns:a16="http://schemas.microsoft.com/office/drawing/2014/main" id="{F6D97EC6-D836-D202-0947-F1A484D2E5BC}"/>
+              </a:ext>
+            </a:extLst>
+          </p:cNvPr>
+          <p:cNvSpPr txBox="1"/>
+          <p:nvPr/>
+        </p:nvSpPr>
+        <p:spPr>
+          <a:xfrm>
+            <a:off x="8304665" y="2508736"/>
+            <a:ext cx="524118" cy="1166615"/>
+          </a:xfrm>
+          <a:prstGeom prst="rect">
+            <a:avLst/>
+          </a:prstGeom>
+          <a:noFill/>
+        </p:spPr>
+        <p:txBody>
+          <a:bodyPr vert="vert270" wrap="square" rtlCol="0">
+            <a:spAutoFit/>
+          </a:bodyPr>
+          <a:lstStyle/>
+          <a:p>
+            <a:pPr algn="ctr">
+              <a:lnSpc>
+                <a:spcPts val="1400"/>
+              </a:lnSpc>
+            </a:pPr>
+            <a:r>
+              <a:rPr lang="en-US" sz="1600" dirty="0" err="1"/>
+              <a:t>dsissosiation</a:t>
+            </a:r>
+            <a:endParaRPr lang="en-US" sz="1600" dirty="0"/>
+          </a:p>
+          <a:p>
+            <a:pPr algn="ctr">
+              <a:lnSpc>
+                <a:spcPts val="1100"/>
+              </a:lnSpc>
+            </a:pPr>
+            <a:r>
+              <a:rPr lang="en-US" sz="1600" dirty="0"/>
+              <a:t> rate</a:t>
+            </a:r>
+            <a:endParaRPr lang="ru-UA" sz="1600" dirty="0"/>
+          </a:p>
+        </p:txBody>
+      </p:sp>
       <p:pic>
         <p:nvPicPr>
-          <p:cNvPr id="35" name="Рисунок 8">
-            <a:extLst>
-              <a:ext uri="{FF2B5EF4-FFF2-40B4-BE49-F238E27FC236}">
-                <a16:creationId xmlns:a16="http://schemas.microsoft.com/office/drawing/2014/main" id="{4725EDF0-2C87-D965-4674-686C9E55F8B1}"/>
+          <p:cNvPr id="45" name="Picture 44">
+            <a:extLst>
+              <a:ext uri="{FF2B5EF4-FFF2-40B4-BE49-F238E27FC236}">
+                <a16:creationId xmlns:a16="http://schemas.microsoft.com/office/drawing/2014/main" id="{9661898F-318B-E0F3-677B-FC9CFCADDB77}"/>
               </a:ext>
             </a:extLst>
           </p:cNvPr>
@@ -5192,63 +5663,27 @@
           <p:nvPr/>
         </p:nvPicPr>
         <p:blipFill>
-          <a:blip r:embed="rId6">
-            <a:extLst>
-              <a:ext uri="{28A0092B-C50C-407E-A947-70E740481C1C}">
-                <a14:useLocalDpi xmlns:a14="http://schemas.microsoft.com/office/drawing/2010/main" val="0"/>
-              </a:ext>
-            </a:extLst>
-          </a:blip>
+          <a:blip r:embed="rId14"/>
           <a:stretch>
             <a:fillRect/>
           </a:stretch>
         </p:blipFill>
         <p:spPr>
           <a:xfrm>
-            <a:off x="4506690" y="5901024"/>
-            <a:ext cx="632996" cy="641356"/>
+            <a:off x="8747757" y="2668962"/>
+            <a:ext cx="1035621" cy="796632"/>
           </a:xfrm>
           <a:prstGeom prst="rect">
             <a:avLst/>
           </a:prstGeom>
         </p:spPr>
       </p:pic>
-      <p:pic>
-        <p:nvPicPr>
-          <p:cNvPr id="36" name="Picture 35">
-            <a:extLst>
-              <a:ext uri="{FF2B5EF4-FFF2-40B4-BE49-F238E27FC236}">
-                <a16:creationId xmlns:a16="http://schemas.microsoft.com/office/drawing/2014/main" id="{EB6333CE-AD45-A899-8A7A-268F689A024F}"/>
-              </a:ext>
-            </a:extLst>
-          </p:cNvPr>
-          <p:cNvPicPr>
-            <a:picLocks noChangeAspect="1"/>
-          </p:cNvPicPr>
-          <p:nvPr/>
-        </p:nvPicPr>
-        <p:blipFill>
-          <a:blip r:embed="rId12"/>
-          <a:stretch>
-            <a:fillRect/>
-          </a:stretch>
-        </p:blipFill>
-        <p:spPr>
-          <a:xfrm>
-            <a:off x="6096000" y="5984542"/>
-            <a:ext cx="837094" cy="515650"/>
-          </a:xfrm>
-          <a:prstGeom prst="rect">
-            <a:avLst/>
-          </a:prstGeom>
-        </p:spPr>
-      </p:pic>
-      <p:sp>
-        <p:nvSpPr>
-          <p:cNvPr id="37" name="Rectangle: Rounded Corners 36">
-            <a:extLst>
-              <a:ext uri="{FF2B5EF4-FFF2-40B4-BE49-F238E27FC236}">
-                <a16:creationId xmlns:a16="http://schemas.microsoft.com/office/drawing/2014/main" id="{07B04FE0-95C6-6A55-8E11-370C29EB0AAE}"/>
+      <p:sp>
+        <p:nvSpPr>
+          <p:cNvPr id="46" name="Rectangle: Rounded Corners 45">
+            <a:extLst>
+              <a:ext uri="{FF2B5EF4-FFF2-40B4-BE49-F238E27FC236}">
+                <a16:creationId xmlns:a16="http://schemas.microsoft.com/office/drawing/2014/main" id="{F737B6EA-2E38-78E7-F05E-A3CF8F6A2D9C}"/>
               </a:ext>
             </a:extLst>
           </p:cNvPr>
@@ -5257,14 +5692,21 @@
         </p:nvSpPr>
         <p:spPr>
           <a:xfrm>
-            <a:off x="4342437" y="2674634"/>
-            <a:ext cx="2504661" cy="1406013"/>
+            <a:off x="8141877" y="1940809"/>
+            <a:ext cx="2560667" cy="1959160"/>
           </a:xfrm>
           <a:prstGeom prst="roundRect">
             <a:avLst/>
           </a:prstGeom>
           <a:noFill/>
           <a:ln w="28575"/>
+          <a:effectLst>
+            <a:outerShdw blurRad="50800" dist="38100" algn="l" rotWithShape="0">
+              <a:prstClr val="black">
+                <a:alpha val="40000"/>
+              </a:prstClr>
+            </a:outerShdw>
+          </a:effectLst>
         </p:spPr>
         <p:style>
           <a:lnRef idx="2">
@@ -5283,7 +5725,7 @@
           </a:fontRef>
         </p:style>
         <p:txBody>
-          <a:bodyPr lIns="0" rIns="36000" rtlCol="0" anchor="t" anchorCtr="0"/>
+          <a:bodyPr lIns="0" tIns="0" rIns="0" rtlCol="0" anchor="t" anchorCtr="0"/>
           <a:lstStyle/>
           <a:p>
             <a:pPr algn="ctr">
@@ -5297,35 +5739,7 @@
                   <a:schemeClr val="tx1"/>
                 </a:solidFill>
               </a:rPr>
-              <a:t>quantifying </a:t>
-            </a:r>
-            <a:r>
-              <a:rPr lang="en-US" sz="2800" b="1" dirty="0" err="1">
-                <a:solidFill>
-                  <a:schemeClr val="tx1"/>
-                </a:solidFill>
-              </a:rPr>
-              <a:t>FeB</a:t>
-            </a:r>
-            <a:endParaRPr lang="en-US" sz="2800" b="1" dirty="0">
-              <a:solidFill>
-                <a:schemeClr val="tx1"/>
-              </a:solidFill>
-            </a:endParaRPr>
-          </a:p>
-          <a:p>
-            <a:pPr algn="r">
-              <a:lnSpc>
-                <a:spcPts val="3500"/>
-              </a:lnSpc>
-            </a:pPr>
-            <a:r>
-              <a:rPr lang="en-US" sz="2800" b="1" dirty="0">
-                <a:solidFill>
-                  <a:schemeClr val="tx1"/>
-                </a:solidFill>
-              </a:rPr>
-              <a:t> decay </a:t>
+              <a:t>discussion &amp; conclusion</a:t>
             </a:r>
             <a:endParaRPr lang="ru-UA" sz="2800" b="1" dirty="0">
               <a:solidFill>
@@ -5337,10 +5751,10 @@
       </p:sp>
       <p:pic>
         <p:nvPicPr>
-          <p:cNvPr id="38" name="Рисунок 18">
-            <a:extLst>
-              <a:ext uri="{FF2B5EF4-FFF2-40B4-BE49-F238E27FC236}">
-                <a16:creationId xmlns:a16="http://schemas.microsoft.com/office/drawing/2014/main" id="{7A26B514-0150-D2B0-61EB-6DE01CD1DA3A}"/>
+          <p:cNvPr id="47" name="Picture 46">
+            <a:extLst>
+              <a:ext uri="{FF2B5EF4-FFF2-40B4-BE49-F238E27FC236}">
+                <a16:creationId xmlns:a16="http://schemas.microsoft.com/office/drawing/2014/main" id="{4226D06A-3D62-A32B-9DD6-41B62DAAEAB3}"/>
               </a:ext>
             </a:extLst>
           </p:cNvPr>
@@ -5350,15 +5764,15 @@
           <p:nvPr/>
         </p:nvPicPr>
         <p:blipFill>
-          <a:blip r:embed="rId13"/>
+          <a:blip r:embed="rId15"/>
           <a:stretch>
             <a:fillRect/>
           </a:stretch>
         </p:blipFill>
         <p:spPr>
           <a:xfrm>
-            <a:off x="4849628" y="3169824"/>
-            <a:ext cx="933225" cy="662744"/>
+            <a:off x="9827478" y="2862072"/>
+            <a:ext cx="793319" cy="679587"/>
           </a:xfrm>
           <a:prstGeom prst="rect">
             <a:avLst/>
@@ -5367,196 +5781,6 @@
       </p:pic>
       <p:sp>
         <p:nvSpPr>
-          <p:cNvPr id="39" name="TextBox 38">
-            <a:extLst>
-              <a:ext uri="{FF2B5EF4-FFF2-40B4-BE49-F238E27FC236}">
-                <a16:creationId xmlns:a16="http://schemas.microsoft.com/office/drawing/2014/main" id="{74271C21-4C6D-89E7-EC01-18D27313AE36}"/>
-              </a:ext>
-            </a:extLst>
-          </p:cNvPr>
-          <p:cNvSpPr txBox="1"/>
-          <p:nvPr/>
-        </p:nvSpPr>
-        <p:spPr>
-          <a:xfrm>
-            <a:off x="4501881" y="3752032"/>
-            <a:ext cx="1609415" cy="338554"/>
-          </a:xfrm>
-          <a:prstGeom prst="rect">
-            <a:avLst/>
-          </a:prstGeom>
-          <a:noFill/>
-        </p:spPr>
-        <p:txBody>
-          <a:bodyPr wrap="none" rtlCol="0">
-            <a:spAutoFit/>
-          </a:bodyPr>
-          <a:lstStyle/>
-          <a:p>
-            <a:r>
-              <a:rPr lang="en-US" sz="1600" dirty="0"/>
-              <a:t>Illumination time</a:t>
-            </a:r>
-            <a:endParaRPr lang="ru-UA" sz="1600" dirty="0"/>
-          </a:p>
-        </p:txBody>
-      </p:sp>
-      <p:sp>
-        <p:nvSpPr>
-          <p:cNvPr id="40" name="TextBox 39">
-            <a:extLst>
-              <a:ext uri="{FF2B5EF4-FFF2-40B4-BE49-F238E27FC236}">
-                <a16:creationId xmlns:a16="http://schemas.microsoft.com/office/drawing/2014/main" id="{AEB31885-6411-0624-0E96-F841107D69D8}"/>
-              </a:ext>
-            </a:extLst>
-          </p:cNvPr>
-          <p:cNvSpPr txBox="1"/>
-          <p:nvPr/>
-        </p:nvSpPr>
-        <p:spPr>
-          <a:xfrm>
-            <a:off x="4501881" y="3264176"/>
-            <a:ext cx="383054" cy="474040"/>
-          </a:xfrm>
-          <a:prstGeom prst="rect">
-            <a:avLst/>
-          </a:prstGeom>
-          <a:noFill/>
-        </p:spPr>
-        <p:txBody>
-          <a:bodyPr vert="vert270" wrap="none" rtlCol="0">
-            <a:spAutoFit/>
-          </a:bodyPr>
-          <a:lstStyle/>
-          <a:p>
-            <a:pPr algn="ctr">
-              <a:lnSpc>
-                <a:spcPts val="1500"/>
-              </a:lnSpc>
-            </a:pPr>
-            <a:r>
-              <a:rPr lang="en-US" sz="1600" dirty="0"/>
-              <a:t>[Fe</a:t>
-            </a:r>
-            <a:r>
-              <a:rPr lang="en-US" sz="1600" baseline="-25000" dirty="0"/>
-              <a:t>i </a:t>
-            </a:r>
-            <a:r>
-              <a:rPr lang="en-US" sz="1600" dirty="0"/>
-              <a:t>]</a:t>
-            </a:r>
-            <a:endParaRPr lang="ru-UA" sz="1600" dirty="0"/>
-          </a:p>
-        </p:txBody>
-      </p:sp>
-      <p:sp>
-        <p:nvSpPr>
-          <p:cNvPr id="42" name="TextBox 41">
-            <a:extLst>
-              <a:ext uri="{FF2B5EF4-FFF2-40B4-BE49-F238E27FC236}">
-                <a16:creationId xmlns:a16="http://schemas.microsoft.com/office/drawing/2014/main" id="{1CF6EB7E-EB4B-32B3-8330-90231246CD02}"/>
-              </a:ext>
-            </a:extLst>
-          </p:cNvPr>
-          <p:cNvSpPr txBox="1"/>
-          <p:nvPr/>
-        </p:nvSpPr>
-        <p:spPr>
-          <a:xfrm>
-            <a:off x="8890588" y="3635911"/>
-            <a:ext cx="1728358" cy="393313"/>
-          </a:xfrm>
-          <a:prstGeom prst="rect">
-            <a:avLst/>
-          </a:prstGeom>
-          <a:noFill/>
-        </p:spPr>
-        <p:txBody>
-          <a:bodyPr wrap="square" rtlCol="0">
-            <a:spAutoFit/>
-          </a:bodyPr>
-          <a:lstStyle/>
-          <a:p>
-            <a:pPr>
-              <a:lnSpc>
-                <a:spcPts val="1100"/>
-              </a:lnSpc>
-            </a:pPr>
-            <a:r>
-              <a:rPr lang="en-US" sz="1600" dirty="0"/>
-              <a:t>carrier generation </a:t>
-            </a:r>
-          </a:p>
-          <a:p>
-            <a:pPr algn="ctr">
-              <a:lnSpc>
-                <a:spcPts val="1100"/>
-              </a:lnSpc>
-            </a:pPr>
-            <a:r>
-              <a:rPr lang="en-US" sz="1600" dirty="0"/>
-              <a:t>rate</a:t>
-            </a:r>
-            <a:endParaRPr lang="ru-UA" sz="1600" dirty="0"/>
-          </a:p>
-        </p:txBody>
-      </p:sp>
-      <p:sp>
-        <p:nvSpPr>
-          <p:cNvPr id="43" name="TextBox 42">
-            <a:extLst>
-              <a:ext uri="{FF2B5EF4-FFF2-40B4-BE49-F238E27FC236}">
-                <a16:creationId xmlns:a16="http://schemas.microsoft.com/office/drawing/2014/main" id="{F6D97EC6-D836-D202-0947-F1A484D2E5BC}"/>
-              </a:ext>
-            </a:extLst>
-          </p:cNvPr>
-          <p:cNvSpPr txBox="1"/>
-          <p:nvPr/>
-        </p:nvSpPr>
-        <p:spPr>
-          <a:xfrm>
-            <a:off x="8710307" y="2648150"/>
-            <a:ext cx="485646" cy="1166615"/>
-          </a:xfrm>
-          <a:prstGeom prst="rect">
-            <a:avLst/>
-          </a:prstGeom>
-          <a:noFill/>
-        </p:spPr>
-        <p:txBody>
-          <a:bodyPr vert="vert270" wrap="square" rtlCol="0">
-            <a:spAutoFit/>
-          </a:bodyPr>
-          <a:lstStyle/>
-          <a:p>
-            <a:pPr algn="ctr">
-              <a:lnSpc>
-                <a:spcPts val="1100"/>
-              </a:lnSpc>
-            </a:pPr>
-            <a:r>
-              <a:rPr lang="en-US" sz="1600" dirty="0" err="1"/>
-              <a:t>dsissosiation</a:t>
-            </a:r>
-            <a:endParaRPr lang="en-US" sz="1600" dirty="0"/>
-          </a:p>
-          <a:p>
-            <a:pPr algn="ctr">
-              <a:lnSpc>
-                <a:spcPts val="1100"/>
-              </a:lnSpc>
-            </a:pPr>
-            <a:r>
-              <a:rPr lang="en-US" sz="1600" dirty="0"/>
-              <a:t> rate</a:t>
-            </a:r>
-            <a:endParaRPr lang="ru-UA" sz="1600" dirty="0"/>
-          </a:p>
-        </p:txBody>
-      </p:sp>
-      <p:sp>
-        <p:nvSpPr>
           <p:cNvPr id="44" name="Rectangle: Rounded Corners 43">
             <a:extLst>
               <a:ext uri="{FF2B5EF4-FFF2-40B4-BE49-F238E27FC236}">
@@ -5569,14 +5793,21 @@
         </p:nvSpPr>
         <p:spPr>
           <a:xfrm>
-            <a:off x="8454788" y="347879"/>
-            <a:ext cx="2816186" cy="1406013"/>
+            <a:off x="8094795" y="4739148"/>
+            <a:ext cx="2816186" cy="1591646"/>
           </a:xfrm>
           <a:prstGeom prst="roundRect">
             <a:avLst/>
           </a:prstGeom>
           <a:noFill/>
           <a:ln w="28575"/>
+          <a:effectLst>
+            <a:outerShdw blurRad="50800" dist="38100" algn="l" rotWithShape="0">
+              <a:prstClr val="black">
+                <a:alpha val="40000"/>
+              </a:prstClr>
+            </a:outerShdw>
+          </a:effectLst>
         </p:spPr>
         <p:style>
           <a:lnRef idx="2">
@@ -5595,7 +5826,7 @@
           </a:fontRef>
         </p:style>
         <p:txBody>
-          <a:bodyPr lIns="0" rIns="0" rtlCol="0" anchor="t" anchorCtr="0"/>
+          <a:bodyPr lIns="0" tIns="0" rIns="0" rtlCol="0" anchor="t" anchorCtr="0"/>
           <a:lstStyle/>
           <a:p>
             <a:pPr algn="ctr">
@@ -5621,10 +5852,10 @@
       </p:sp>
       <p:pic>
         <p:nvPicPr>
-          <p:cNvPr id="45" name="Picture 44">
-            <a:extLst>
-              <a:ext uri="{FF2B5EF4-FFF2-40B4-BE49-F238E27FC236}">
-                <a16:creationId xmlns:a16="http://schemas.microsoft.com/office/drawing/2014/main" id="{9661898F-318B-E0F3-677B-FC9CFCADDB77}"/>
+          <p:cNvPr id="49" name="Picture 48">
+            <a:extLst>
+              <a:ext uri="{FF2B5EF4-FFF2-40B4-BE49-F238E27FC236}">
+                <a16:creationId xmlns:a16="http://schemas.microsoft.com/office/drawing/2014/main" id="{C66591D4-1E17-98CF-FCE3-21586D5E575B}"/>
               </a:ext>
             </a:extLst>
           </p:cNvPr>
@@ -5634,15 +5865,15 @@
           <p:nvPr/>
         </p:nvPicPr>
         <p:blipFill>
-          <a:blip r:embed="rId14"/>
+          <a:blip r:embed="rId16"/>
           <a:stretch>
             <a:fillRect/>
           </a:stretch>
         </p:blipFill>
         <p:spPr>
           <a:xfrm>
-            <a:off x="9153399" y="2808376"/>
-            <a:ext cx="1035621" cy="796632"/>
+            <a:off x="8657180" y="5482631"/>
+            <a:ext cx="755168" cy="566069"/>
           </a:xfrm>
           <a:prstGeom prst="rect">
             <a:avLst/>
@@ -5651,26 +5882,184 @@
       </p:pic>
       <p:sp>
         <p:nvSpPr>
-          <p:cNvPr id="46" name="Rectangle: Rounded Corners 45">
-            <a:extLst>
-              <a:ext uri="{FF2B5EF4-FFF2-40B4-BE49-F238E27FC236}">
-                <a16:creationId xmlns:a16="http://schemas.microsoft.com/office/drawing/2014/main" id="{F737B6EA-2E38-78E7-F05E-A3CF8F6A2D9C}"/>
-              </a:ext>
-            </a:extLst>
-          </p:cNvPr>
-          <p:cNvSpPr/>
+          <p:cNvPr id="50" name="TextBox 49">
+            <a:extLst>
+              <a:ext uri="{FF2B5EF4-FFF2-40B4-BE49-F238E27FC236}">
+                <a16:creationId xmlns:a16="http://schemas.microsoft.com/office/drawing/2014/main" id="{FC3914EE-C707-9432-7114-F4FC7BE46A4C}"/>
+              </a:ext>
+            </a:extLst>
+          </p:cNvPr>
+          <p:cNvSpPr txBox="1"/>
           <p:nvPr/>
         </p:nvSpPr>
         <p:spPr>
           <a:xfrm>
-            <a:off x="8617532" y="2003289"/>
-            <a:ext cx="2560667" cy="2025935"/>
-          </a:xfrm>
-          <a:prstGeom prst="roundRect">
+            <a:off x="8440586" y="6025124"/>
+            <a:ext cx="1143711" cy="338554"/>
+          </a:xfrm>
+          <a:prstGeom prst="rect">
             <a:avLst/>
           </a:prstGeom>
           <a:noFill/>
-          <a:ln w="28575"/>
+        </p:spPr>
+        <p:txBody>
+          <a:bodyPr wrap="none" rtlCol="0">
+            <a:spAutoFit/>
+          </a:bodyPr>
+          <a:lstStyle/>
+          <a:p>
+            <a:r>
+              <a:rPr lang="en-US" sz="1600" dirty="0"/>
+              <a:t>wavelength</a:t>
+            </a:r>
+            <a:endParaRPr lang="ru-UA" sz="1600" dirty="0"/>
+          </a:p>
+        </p:txBody>
+      </p:sp>
+      <p:sp>
+        <p:nvSpPr>
+          <p:cNvPr id="2" name="TextBox 1">
+            <a:extLst>
+              <a:ext uri="{FF2B5EF4-FFF2-40B4-BE49-F238E27FC236}">
+                <a16:creationId xmlns:a16="http://schemas.microsoft.com/office/drawing/2014/main" id="{191E4EDF-3138-396E-92A0-5366ACC9AAB6}"/>
+              </a:ext>
+            </a:extLst>
+          </p:cNvPr>
+          <p:cNvSpPr txBox="1"/>
+          <p:nvPr/>
+        </p:nvSpPr>
+        <p:spPr>
+          <a:xfrm>
+            <a:off x="8313233" y="5360874"/>
+            <a:ext cx="383054" cy="809581"/>
+          </a:xfrm>
+          <a:prstGeom prst="rect">
+            <a:avLst/>
+          </a:prstGeom>
+          <a:noFill/>
+        </p:spPr>
+        <p:txBody>
+          <a:bodyPr vert="vert270" wrap="none" rtlCol="0">
+            <a:spAutoFit/>
+          </a:bodyPr>
+          <a:lstStyle/>
+          <a:p>
+            <a:pPr algn="ctr">
+              <a:lnSpc>
+                <a:spcPts val="1500"/>
+              </a:lnSpc>
+            </a:pPr>
+            <a:r>
+              <a:rPr lang="en-US" sz="1600" dirty="0"/>
+              <a:t>intensity</a:t>
+            </a:r>
+            <a:endParaRPr lang="ru-UA" sz="1600" dirty="0"/>
+          </a:p>
+        </p:txBody>
+      </p:sp>
+      <p:pic>
+        <p:nvPicPr>
+          <p:cNvPr id="31" name="Рисунок 30">
+            <a:extLst>
+              <a:ext uri="{FF2B5EF4-FFF2-40B4-BE49-F238E27FC236}">
+                <a16:creationId xmlns:a16="http://schemas.microsoft.com/office/drawing/2014/main" id="{194B637E-0132-4BA7-70FE-1C0B5128E587}"/>
+              </a:ext>
+            </a:extLst>
+          </p:cNvPr>
+          <p:cNvPicPr>
+            <a:picLocks noChangeAspect="1"/>
+          </p:cNvPicPr>
+          <p:nvPr/>
+        </p:nvPicPr>
+        <p:blipFill>
+          <a:blip r:embed="rId17">
+            <a:extLst>
+              <a:ext uri="{28A0092B-C50C-407E-A947-70E740481C1C}">
+                <a14:useLocalDpi xmlns:a14="http://schemas.microsoft.com/office/drawing/2010/main" val="0"/>
+              </a:ext>
+            </a:extLst>
+          </a:blip>
+          <a:stretch>
+            <a:fillRect/>
+          </a:stretch>
+        </p:blipFill>
+        <p:spPr>
+          <a:xfrm>
+            <a:off x="9988493" y="5511539"/>
+            <a:ext cx="470950" cy="627631"/>
+          </a:xfrm>
+          <a:prstGeom prst="rect">
+            <a:avLst/>
+          </a:prstGeom>
+        </p:spPr>
+      </p:pic>
+      <p:pic>
+        <p:nvPicPr>
+          <p:cNvPr id="28" name="Рисунок 27">
+            <a:extLst>
+              <a:ext uri="{FF2B5EF4-FFF2-40B4-BE49-F238E27FC236}">
+                <a16:creationId xmlns:a16="http://schemas.microsoft.com/office/drawing/2014/main" id="{C9270D8E-7AF3-48BA-ECBE-B8B77BD13184}"/>
+              </a:ext>
+            </a:extLst>
+          </p:cNvPr>
+          <p:cNvPicPr>
+            <a:picLocks noChangeAspect="1"/>
+          </p:cNvPicPr>
+          <p:nvPr/>
+        </p:nvPicPr>
+        <p:blipFill>
+          <a:blip r:embed="rId18">
+            <a:extLst>
+              <a:ext uri="{28A0092B-C50C-407E-A947-70E740481C1C}">
+                <a14:useLocalDpi xmlns:a14="http://schemas.microsoft.com/office/drawing/2010/main" val="0"/>
+              </a:ext>
+            </a:extLst>
+          </a:blip>
+          <a:stretch>
+            <a:fillRect/>
+          </a:stretch>
+        </p:blipFill>
+        <p:spPr>
+          <a:xfrm>
+            <a:off x="9857469" y="5668213"/>
+            <a:ext cx="447346" cy="588613"/>
+          </a:xfrm>
+          <a:prstGeom prst="rect">
+            <a:avLst/>
+          </a:prstGeom>
+        </p:spPr>
+      </p:pic>
+      <p:sp>
+        <p:nvSpPr>
+          <p:cNvPr id="57" name="Стрілка: угору 56">
+            <a:extLst>
+              <a:ext uri="{FF2B5EF4-FFF2-40B4-BE49-F238E27FC236}">
+                <a16:creationId xmlns:a16="http://schemas.microsoft.com/office/drawing/2014/main" id="{13A770BB-0437-AF13-02E0-D55F4C796FF0}"/>
+              </a:ext>
+            </a:extLst>
+          </p:cNvPr>
+          <p:cNvSpPr/>
+          <p:nvPr/>
+        </p:nvSpPr>
+        <p:spPr>
+          <a:xfrm rot="16200000" flipV="1">
+            <a:off x="3770939" y="615610"/>
+            <a:ext cx="304091" cy="835268"/>
+          </a:xfrm>
+          <a:prstGeom prst="upArrow">
+            <a:avLst>
+              <a:gd name="adj1" fmla="val 44219"/>
+              <a:gd name="adj2" fmla="val 63642"/>
+            </a:avLst>
+          </a:prstGeom>
+          <a:solidFill>
+            <a:schemeClr val="bg1"/>
+          </a:solidFill>
+          <a:ln w="28575">
+            <a:solidFill>
+              <a:srgbClr val="4472C4"/>
+            </a:solidFill>
+          </a:ln>
         </p:spPr>
         <p:style>
           <a:lnRef idx="2">
@@ -5689,36 +6078,965 @@
           </a:fontRef>
         </p:style>
         <p:txBody>
-          <a:bodyPr lIns="0" rIns="0" rtlCol="0" anchor="t" anchorCtr="0"/>
-          <a:lstStyle/>
-          <a:p>
-            <a:pPr algn="ctr">
-              <a:lnSpc>
-                <a:spcPts val="2500"/>
-              </a:lnSpc>
-            </a:pPr>
-            <a:r>
-              <a:rPr lang="en-US" sz="2800" b="1" dirty="0">
-                <a:solidFill>
-                  <a:schemeClr val="tx1"/>
-                </a:solidFill>
-              </a:rPr>
-              <a:t>discussion &amp; conclusion</a:t>
-            </a:r>
-            <a:endParaRPr lang="ru-UA" sz="2800" b="1" dirty="0">
-              <a:solidFill>
-                <a:schemeClr val="tx1"/>
-              </a:solidFill>
-            </a:endParaRPr>
-          </a:p>
-        </p:txBody>
-      </p:sp>
+          <a:bodyPr rtlCol="0" anchor="ctr"/>
+          <a:lstStyle/>
+          <a:p>
+            <a:pPr algn="ctr"/>
+            <a:endParaRPr lang="uk-UA"/>
+          </a:p>
+        </p:txBody>
+      </p:sp>
+      <p:graphicFrame>
+        <p:nvGraphicFramePr>
+          <p:cNvPr id="58" name="Об'єкт 57">
+            <a:extLst>
+              <a:ext uri="{FF2B5EF4-FFF2-40B4-BE49-F238E27FC236}">
+                <a16:creationId xmlns:a16="http://schemas.microsoft.com/office/drawing/2014/main" id="{6FCFE98B-57B5-7DF9-8E82-EFB487092DE2}"/>
+              </a:ext>
+            </a:extLst>
+          </p:cNvPr>
+          <p:cNvGraphicFramePr>
+            <a:graphicFrameLocks noChangeAspect="1"/>
+          </p:cNvGraphicFramePr>
+          <p:nvPr>
+            <p:extLst>
+              <p:ext uri="{D42A27DB-BD31-4B8C-83A1-F6EECF244321}">
+                <p14:modId xmlns:p14="http://schemas.microsoft.com/office/powerpoint/2010/main" val="3200243345"/>
+              </p:ext>
+            </p:extLst>
+          </p:nvPr>
+        </p:nvGraphicFramePr>
+        <p:xfrm>
+          <a:off x="3619778" y="348837"/>
+          <a:ext cx="583617" cy="583617"/>
+        </p:xfrm>
+        <a:graphic>
+          <a:graphicData uri="http://schemas.openxmlformats.org/presentationml/2006/ole">
+            <mc:AlternateContent xmlns:mc="http://schemas.openxmlformats.org/markup-compatibility/2006">
+              <mc:Choice xmlns:v="urn:schemas-microsoft-com:vml" Requires="v">
+                <p:oleObj name="Equation" r:id="rId19" imgW="203040" imgH="203040" progId="Equation.DSMT4">
+                  <p:embed/>
+                </p:oleObj>
+              </mc:Choice>
+              <mc:Fallback>
+                <p:oleObj name="Equation" r:id="rId19" imgW="203040" imgH="203040" progId="Equation.DSMT4">
+                  <p:embed/>
+                  <p:pic>
+                    <p:nvPicPr>
+                      <p:cNvPr id="0" name=""/>
+                      <p:cNvPicPr/>
+                      <p:nvPr/>
+                    </p:nvPicPr>
+                    <p:blipFill>
+                      <a:blip r:embed="rId20"/>
+                      <a:stretch>
+                        <a:fillRect/>
+                      </a:stretch>
+                    </p:blipFill>
+                    <p:spPr>
+                      <a:xfrm>
+                        <a:off x="3619778" y="348837"/>
+                        <a:ext cx="583617" cy="583617"/>
+                      </a:xfrm>
+                      <a:prstGeom prst="rect">
+                        <a:avLst/>
+                      </a:prstGeom>
+                    </p:spPr>
+                  </p:pic>
+                </p:oleObj>
+              </mc:Fallback>
+            </mc:AlternateContent>
+          </a:graphicData>
+        </a:graphic>
+      </p:graphicFrame>
+      <p:sp>
+        <p:nvSpPr>
+          <p:cNvPr id="63" name="Стрілка: угору 62">
+            <a:extLst>
+              <a:ext uri="{FF2B5EF4-FFF2-40B4-BE49-F238E27FC236}">
+                <a16:creationId xmlns:a16="http://schemas.microsoft.com/office/drawing/2014/main" id="{E3D1CE8A-8F62-9E1A-5F73-4AAA76F465A8}"/>
+              </a:ext>
+            </a:extLst>
+          </p:cNvPr>
+          <p:cNvSpPr/>
+          <p:nvPr/>
+        </p:nvSpPr>
+        <p:spPr>
+          <a:xfrm rot="16200000" flipV="1">
+            <a:off x="3770939" y="2826590"/>
+            <a:ext cx="304091" cy="835268"/>
+          </a:xfrm>
+          <a:prstGeom prst="upArrow">
+            <a:avLst>
+              <a:gd name="adj1" fmla="val 44219"/>
+              <a:gd name="adj2" fmla="val 63642"/>
+            </a:avLst>
+          </a:prstGeom>
+          <a:solidFill>
+            <a:schemeClr val="bg1"/>
+          </a:solidFill>
+          <a:ln w="28575">
+            <a:solidFill>
+              <a:srgbClr val="4472C4"/>
+            </a:solidFill>
+          </a:ln>
+        </p:spPr>
+        <p:style>
+          <a:lnRef idx="2">
+            <a:schemeClr val="accent1">
+              <a:shade val="15000"/>
+            </a:schemeClr>
+          </a:lnRef>
+          <a:fillRef idx="1">
+            <a:schemeClr val="accent1"/>
+          </a:fillRef>
+          <a:effectRef idx="0">
+            <a:schemeClr val="accent1"/>
+          </a:effectRef>
+          <a:fontRef idx="minor">
+            <a:schemeClr val="lt1"/>
+          </a:fontRef>
+        </p:style>
+        <p:txBody>
+          <a:bodyPr rtlCol="0" anchor="ctr"/>
+          <a:lstStyle/>
+          <a:p>
+            <a:pPr algn="ctr"/>
+            <a:endParaRPr lang="uk-UA"/>
+          </a:p>
+        </p:txBody>
+      </p:sp>
+      <p:sp>
+        <p:nvSpPr>
+          <p:cNvPr id="64" name="Стрілка: угору 63">
+            <a:extLst>
+              <a:ext uri="{FF2B5EF4-FFF2-40B4-BE49-F238E27FC236}">
+                <a16:creationId xmlns:a16="http://schemas.microsoft.com/office/drawing/2014/main" id="{87494936-DB1F-32EA-42F7-16D4E6E55B70}"/>
+              </a:ext>
+            </a:extLst>
+          </p:cNvPr>
+          <p:cNvSpPr/>
+          <p:nvPr/>
+        </p:nvSpPr>
+        <p:spPr>
+          <a:xfrm rot="16200000" flipV="1">
+            <a:off x="7385199" y="2630835"/>
+            <a:ext cx="304091" cy="1029238"/>
+          </a:xfrm>
+          <a:prstGeom prst="upArrow">
+            <a:avLst>
+              <a:gd name="adj1" fmla="val 44219"/>
+              <a:gd name="adj2" fmla="val 63642"/>
+            </a:avLst>
+          </a:prstGeom>
+          <a:solidFill>
+            <a:schemeClr val="bg1"/>
+          </a:solidFill>
+          <a:ln w="28575">
+            <a:solidFill>
+              <a:srgbClr val="4472C4"/>
+            </a:solidFill>
+          </a:ln>
+        </p:spPr>
+        <p:style>
+          <a:lnRef idx="2">
+            <a:schemeClr val="accent1">
+              <a:shade val="15000"/>
+            </a:schemeClr>
+          </a:lnRef>
+          <a:fillRef idx="1">
+            <a:schemeClr val="accent1"/>
+          </a:fillRef>
+          <a:effectRef idx="0">
+            <a:schemeClr val="accent1"/>
+          </a:effectRef>
+          <a:fontRef idx="minor">
+            <a:schemeClr val="lt1"/>
+          </a:fontRef>
+        </p:style>
+        <p:txBody>
+          <a:bodyPr rtlCol="0" anchor="ctr"/>
+          <a:lstStyle/>
+          <a:p>
+            <a:pPr algn="ctr"/>
+            <a:endParaRPr lang="uk-UA"/>
+          </a:p>
+        </p:txBody>
+      </p:sp>
+      <p:sp>
+        <p:nvSpPr>
+          <p:cNvPr id="65" name="Стрілка: угору 64">
+            <a:extLst>
+              <a:ext uri="{FF2B5EF4-FFF2-40B4-BE49-F238E27FC236}">
+                <a16:creationId xmlns:a16="http://schemas.microsoft.com/office/drawing/2014/main" id="{967ABCE2-7F97-C302-0239-B8D8AA35F0B3}"/>
+              </a:ext>
+            </a:extLst>
+          </p:cNvPr>
+          <p:cNvSpPr/>
+          <p:nvPr/>
+        </p:nvSpPr>
+        <p:spPr>
+          <a:xfrm rot="16200000" flipV="1">
+            <a:off x="7435294" y="5111176"/>
+            <a:ext cx="304091" cy="889185"/>
+          </a:xfrm>
+          <a:prstGeom prst="upArrow">
+            <a:avLst>
+              <a:gd name="adj1" fmla="val 44219"/>
+              <a:gd name="adj2" fmla="val 63642"/>
+            </a:avLst>
+          </a:prstGeom>
+          <a:solidFill>
+            <a:schemeClr val="bg1"/>
+          </a:solidFill>
+          <a:ln w="28575">
+            <a:solidFill>
+              <a:srgbClr val="4472C4"/>
+            </a:solidFill>
+          </a:ln>
+        </p:spPr>
+        <p:style>
+          <a:lnRef idx="2">
+            <a:schemeClr val="accent1">
+              <a:shade val="15000"/>
+            </a:schemeClr>
+          </a:lnRef>
+          <a:fillRef idx="1">
+            <a:schemeClr val="accent1"/>
+          </a:fillRef>
+          <a:effectRef idx="0">
+            <a:schemeClr val="accent1"/>
+          </a:effectRef>
+          <a:fontRef idx="minor">
+            <a:schemeClr val="lt1"/>
+          </a:fontRef>
+        </p:style>
+        <p:txBody>
+          <a:bodyPr rtlCol="0" anchor="ctr"/>
+          <a:lstStyle/>
+          <a:p>
+            <a:pPr algn="ctr"/>
+            <a:endParaRPr lang="uk-UA"/>
+          </a:p>
+        </p:txBody>
+      </p:sp>
+      <p:sp>
+        <p:nvSpPr>
+          <p:cNvPr id="66" name="Стрілка: угору 65">
+            <a:extLst>
+              <a:ext uri="{FF2B5EF4-FFF2-40B4-BE49-F238E27FC236}">
+                <a16:creationId xmlns:a16="http://schemas.microsoft.com/office/drawing/2014/main" id="{483A000B-75A0-DC3A-E038-9A3C26C24D25}"/>
+              </a:ext>
+            </a:extLst>
+          </p:cNvPr>
+          <p:cNvSpPr/>
+          <p:nvPr/>
+        </p:nvSpPr>
+        <p:spPr>
+          <a:xfrm>
+            <a:off x="1920519" y="1779372"/>
+            <a:ext cx="304091" cy="710028"/>
+          </a:xfrm>
+          <a:prstGeom prst="upArrow">
+            <a:avLst>
+              <a:gd name="adj1" fmla="val 44219"/>
+              <a:gd name="adj2" fmla="val 63642"/>
+            </a:avLst>
+          </a:prstGeom>
+          <a:solidFill>
+            <a:schemeClr val="bg1"/>
+          </a:solidFill>
+          <a:ln w="28575">
+            <a:solidFill>
+              <a:srgbClr val="4472C4"/>
+            </a:solidFill>
+          </a:ln>
+        </p:spPr>
+        <p:style>
+          <a:lnRef idx="2">
+            <a:schemeClr val="accent1">
+              <a:shade val="15000"/>
+            </a:schemeClr>
+          </a:lnRef>
+          <a:fillRef idx="1">
+            <a:schemeClr val="accent1"/>
+          </a:fillRef>
+          <a:effectRef idx="0">
+            <a:schemeClr val="accent1"/>
+          </a:effectRef>
+          <a:fontRef idx="minor">
+            <a:schemeClr val="lt1"/>
+          </a:fontRef>
+        </p:style>
+        <p:txBody>
+          <a:bodyPr rtlCol="0" anchor="ctr"/>
+          <a:lstStyle/>
+          <a:p>
+            <a:pPr algn="ctr"/>
+            <a:endParaRPr lang="uk-UA"/>
+          </a:p>
+        </p:txBody>
+      </p:sp>
+      <p:sp>
+        <p:nvSpPr>
+          <p:cNvPr id="67" name="Стрілка: угору 66">
+            <a:extLst>
+              <a:ext uri="{FF2B5EF4-FFF2-40B4-BE49-F238E27FC236}">
+                <a16:creationId xmlns:a16="http://schemas.microsoft.com/office/drawing/2014/main" id="{1273B2DF-9E2A-9B69-5393-D334EC4DC6D7}"/>
+              </a:ext>
+            </a:extLst>
+          </p:cNvPr>
+          <p:cNvSpPr/>
+          <p:nvPr/>
+        </p:nvSpPr>
+        <p:spPr>
+          <a:xfrm flipV="1">
+            <a:off x="5414750" y="1769540"/>
+            <a:ext cx="304091" cy="729364"/>
+          </a:xfrm>
+          <a:prstGeom prst="upArrow">
+            <a:avLst>
+              <a:gd name="adj1" fmla="val 44219"/>
+              <a:gd name="adj2" fmla="val 63642"/>
+            </a:avLst>
+          </a:prstGeom>
+          <a:solidFill>
+            <a:schemeClr val="bg1"/>
+          </a:solidFill>
+          <a:ln w="28575">
+            <a:solidFill>
+              <a:srgbClr val="4472C4"/>
+            </a:solidFill>
+          </a:ln>
+        </p:spPr>
+        <p:style>
+          <a:lnRef idx="2">
+            <a:schemeClr val="accent1">
+              <a:shade val="15000"/>
+            </a:schemeClr>
+          </a:lnRef>
+          <a:fillRef idx="1">
+            <a:schemeClr val="accent1"/>
+          </a:fillRef>
+          <a:effectRef idx="0">
+            <a:schemeClr val="accent1"/>
+          </a:effectRef>
+          <a:fontRef idx="minor">
+            <a:schemeClr val="lt1"/>
+          </a:fontRef>
+        </p:style>
+        <p:txBody>
+          <a:bodyPr rtlCol="0" anchor="ctr"/>
+          <a:lstStyle/>
+          <a:p>
+            <a:pPr algn="ctr"/>
+            <a:endParaRPr lang="uk-UA"/>
+          </a:p>
+        </p:txBody>
+      </p:sp>
+      <p:sp>
+        <p:nvSpPr>
+          <p:cNvPr id="68" name="Стрілка: угору 67">
+            <a:extLst>
+              <a:ext uri="{FF2B5EF4-FFF2-40B4-BE49-F238E27FC236}">
+                <a16:creationId xmlns:a16="http://schemas.microsoft.com/office/drawing/2014/main" id="{40F1305C-ADE4-A585-4610-69CECEF632E0}"/>
+              </a:ext>
+            </a:extLst>
+          </p:cNvPr>
+          <p:cNvSpPr/>
+          <p:nvPr/>
+        </p:nvSpPr>
+        <p:spPr>
+          <a:xfrm>
+            <a:off x="9280136" y="3968242"/>
+            <a:ext cx="304091" cy="710028"/>
+          </a:xfrm>
+          <a:prstGeom prst="upArrow">
+            <a:avLst>
+              <a:gd name="adj1" fmla="val 44219"/>
+              <a:gd name="adj2" fmla="val 63642"/>
+            </a:avLst>
+          </a:prstGeom>
+          <a:solidFill>
+            <a:schemeClr val="bg1"/>
+          </a:solidFill>
+          <a:ln w="28575">
+            <a:solidFill>
+              <a:srgbClr val="4472C4"/>
+            </a:solidFill>
+          </a:ln>
+        </p:spPr>
+        <p:style>
+          <a:lnRef idx="2">
+            <a:schemeClr val="accent1">
+              <a:shade val="15000"/>
+            </a:schemeClr>
+          </a:lnRef>
+          <a:fillRef idx="1">
+            <a:schemeClr val="accent1"/>
+          </a:fillRef>
+          <a:effectRef idx="0">
+            <a:schemeClr val="accent1"/>
+          </a:effectRef>
+          <a:fontRef idx="minor">
+            <a:schemeClr val="lt1"/>
+          </a:fontRef>
+        </p:style>
+        <p:txBody>
+          <a:bodyPr rtlCol="0" anchor="ctr"/>
+          <a:lstStyle/>
+          <a:p>
+            <a:pPr algn="ctr"/>
+            <a:endParaRPr lang="uk-UA"/>
+          </a:p>
+        </p:txBody>
+      </p:sp>
+      <p:sp>
+        <p:nvSpPr>
+          <p:cNvPr id="69" name="Стрілка: угору 68">
+            <a:extLst>
+              <a:ext uri="{FF2B5EF4-FFF2-40B4-BE49-F238E27FC236}">
+                <a16:creationId xmlns:a16="http://schemas.microsoft.com/office/drawing/2014/main" id="{68313FAF-3AC5-D851-C49C-31642E1B0E6C}"/>
+              </a:ext>
+            </a:extLst>
+          </p:cNvPr>
+          <p:cNvSpPr/>
+          <p:nvPr/>
+        </p:nvSpPr>
+        <p:spPr>
+          <a:xfrm>
+            <a:off x="5444786" y="4054167"/>
+            <a:ext cx="304091" cy="710028"/>
+          </a:xfrm>
+          <a:prstGeom prst="upArrow">
+            <a:avLst>
+              <a:gd name="adj1" fmla="val 44219"/>
+              <a:gd name="adj2" fmla="val 63642"/>
+            </a:avLst>
+          </a:prstGeom>
+          <a:solidFill>
+            <a:schemeClr val="bg1"/>
+          </a:solidFill>
+          <a:ln w="28575">
+            <a:solidFill>
+              <a:srgbClr val="4472C4"/>
+            </a:solidFill>
+          </a:ln>
+        </p:spPr>
+        <p:style>
+          <a:lnRef idx="2">
+            <a:schemeClr val="accent1">
+              <a:shade val="15000"/>
+            </a:schemeClr>
+          </a:lnRef>
+          <a:fillRef idx="1">
+            <a:schemeClr val="accent1"/>
+          </a:fillRef>
+          <a:effectRef idx="0">
+            <a:schemeClr val="accent1"/>
+          </a:effectRef>
+          <a:fontRef idx="minor">
+            <a:schemeClr val="lt1"/>
+          </a:fontRef>
+        </p:style>
+        <p:txBody>
+          <a:bodyPr rtlCol="0" anchor="ctr"/>
+          <a:lstStyle/>
+          <a:p>
+            <a:pPr algn="ctr"/>
+            <a:endParaRPr lang="uk-UA"/>
+          </a:p>
+        </p:txBody>
+      </p:sp>
+      <p:graphicFrame>
+        <p:nvGraphicFramePr>
+          <p:cNvPr id="70" name="Об'єкт 69">
+            <a:extLst>
+              <a:ext uri="{FF2B5EF4-FFF2-40B4-BE49-F238E27FC236}">
+                <a16:creationId xmlns:a16="http://schemas.microsoft.com/office/drawing/2014/main" id="{E8E78B1E-93E9-375D-11CF-2F000D9D5C40}"/>
+              </a:ext>
+            </a:extLst>
+          </p:cNvPr>
+          <p:cNvGraphicFramePr>
+            <a:graphicFrameLocks noChangeAspect="1"/>
+          </p:cNvGraphicFramePr>
+          <p:nvPr>
+            <p:extLst>
+              <p:ext uri="{D42A27DB-BD31-4B8C-83A1-F6EECF244321}">
+                <p14:modId xmlns:p14="http://schemas.microsoft.com/office/powerpoint/2010/main" val="791089633"/>
+              </p:ext>
+            </p:extLst>
+          </p:nvPr>
+        </p:nvGraphicFramePr>
+        <p:xfrm>
+          <a:off x="3758964" y="1209491"/>
+          <a:ext cx="254000" cy="438150"/>
+        </p:xfrm>
+        <a:graphic>
+          <a:graphicData uri="http://schemas.openxmlformats.org/presentationml/2006/ole">
+            <mc:AlternateContent xmlns:mc="http://schemas.openxmlformats.org/markup-compatibility/2006">
+              <mc:Choice xmlns:v="urn:schemas-microsoft-com:vml" Requires="v">
+                <p:oleObj name="Equation" r:id="rId21" imgW="88560" imgH="152280" progId="Equation.DSMT4">
+                  <p:embed/>
+                </p:oleObj>
+              </mc:Choice>
+              <mc:Fallback>
+                <p:oleObj name="Equation" r:id="rId21" imgW="88560" imgH="152280" progId="Equation.DSMT4">
+                  <p:embed/>
+                  <p:pic>
+                    <p:nvPicPr>
+                      <p:cNvPr id="58" name="Об'єкт 57">
+                        <a:extLst>
+                          <a:ext uri="{FF2B5EF4-FFF2-40B4-BE49-F238E27FC236}">
+                            <a16:creationId xmlns:a16="http://schemas.microsoft.com/office/drawing/2014/main" id="{6FCFE98B-57B5-7DF9-8E82-EFB487092DE2}"/>
+                          </a:ext>
+                        </a:extLst>
+                      </p:cNvPr>
+                      <p:cNvPicPr/>
+                      <p:nvPr/>
+                    </p:nvPicPr>
+                    <p:blipFill>
+                      <a:blip r:embed="rId22"/>
+                      <a:stretch>
+                        <a:fillRect/>
+                      </a:stretch>
+                    </p:blipFill>
+                    <p:spPr>
+                      <a:xfrm>
+                        <a:off x="3758964" y="1209491"/>
+                        <a:ext cx="254000" cy="438150"/>
+                      </a:xfrm>
+                      <a:prstGeom prst="rect">
+                        <a:avLst/>
+                      </a:prstGeom>
+                    </p:spPr>
+                  </p:pic>
+                </p:oleObj>
+              </mc:Fallback>
+            </mc:AlternateContent>
+          </a:graphicData>
+        </a:graphic>
+      </p:graphicFrame>
+      <p:graphicFrame>
+        <p:nvGraphicFramePr>
+          <p:cNvPr id="71" name="Об'єкт 70">
+            <a:extLst>
+              <a:ext uri="{FF2B5EF4-FFF2-40B4-BE49-F238E27FC236}">
+                <a16:creationId xmlns:a16="http://schemas.microsoft.com/office/drawing/2014/main" id="{953B1ED6-72CA-9F9E-4F0B-FC42864FFF46}"/>
+              </a:ext>
+            </a:extLst>
+          </p:cNvPr>
+          <p:cNvGraphicFramePr>
+            <a:graphicFrameLocks noChangeAspect="1"/>
+          </p:cNvGraphicFramePr>
+          <p:nvPr>
+            <p:extLst>
+              <p:ext uri="{D42A27DB-BD31-4B8C-83A1-F6EECF244321}">
+                <p14:modId xmlns:p14="http://schemas.microsoft.com/office/powerpoint/2010/main" val="1254876633"/>
+              </p:ext>
+            </p:extLst>
+          </p:nvPr>
+        </p:nvGraphicFramePr>
+        <p:xfrm>
+          <a:off x="3683000" y="2466975"/>
+          <a:ext cx="438150" cy="584200"/>
+        </p:xfrm>
+        <a:graphic>
+          <a:graphicData uri="http://schemas.openxmlformats.org/presentationml/2006/ole">
+            <mc:AlternateContent xmlns:mc="http://schemas.openxmlformats.org/markup-compatibility/2006">
+              <mc:Choice xmlns:v="urn:schemas-microsoft-com:vml" Requires="v">
+                <p:oleObj name="Equation" r:id="rId23" imgW="152280" imgH="203040" progId="Equation.DSMT4">
+                  <p:embed/>
+                </p:oleObj>
+              </mc:Choice>
+              <mc:Fallback>
+                <p:oleObj name="Equation" r:id="rId23" imgW="152280" imgH="203040" progId="Equation.DSMT4">
+                  <p:embed/>
+                  <p:pic>
+                    <p:nvPicPr>
+                      <p:cNvPr id="58" name="Об'єкт 57">
+                        <a:extLst>
+                          <a:ext uri="{FF2B5EF4-FFF2-40B4-BE49-F238E27FC236}">
+                            <a16:creationId xmlns:a16="http://schemas.microsoft.com/office/drawing/2014/main" id="{6FCFE98B-57B5-7DF9-8E82-EFB487092DE2}"/>
+                          </a:ext>
+                        </a:extLst>
+                      </p:cNvPr>
+                      <p:cNvPicPr/>
+                      <p:nvPr/>
+                    </p:nvPicPr>
+                    <p:blipFill>
+                      <a:blip r:embed="rId24"/>
+                      <a:stretch>
+                        <a:fillRect/>
+                      </a:stretch>
+                    </p:blipFill>
+                    <p:spPr>
+                      <a:xfrm>
+                        <a:off x="3683000" y="2466975"/>
+                        <a:ext cx="438150" cy="584200"/>
+                      </a:xfrm>
+                      <a:prstGeom prst="rect">
+                        <a:avLst/>
+                      </a:prstGeom>
+                    </p:spPr>
+                  </p:pic>
+                </p:oleObj>
+              </mc:Fallback>
+            </mc:AlternateContent>
+          </a:graphicData>
+        </a:graphic>
+      </p:graphicFrame>
+      <p:graphicFrame>
+        <p:nvGraphicFramePr>
+          <p:cNvPr id="72" name="Об'єкт 71">
+            <a:extLst>
+              <a:ext uri="{FF2B5EF4-FFF2-40B4-BE49-F238E27FC236}">
+                <a16:creationId xmlns:a16="http://schemas.microsoft.com/office/drawing/2014/main" id="{F40D5DFB-6F4B-8702-838B-2493A2091C01}"/>
+              </a:ext>
+            </a:extLst>
+          </p:cNvPr>
+          <p:cNvGraphicFramePr>
+            <a:graphicFrameLocks noChangeAspect="1"/>
+          </p:cNvGraphicFramePr>
+          <p:nvPr>
+            <p:extLst>
+              <p:ext uri="{D42A27DB-BD31-4B8C-83A1-F6EECF244321}">
+                <p14:modId xmlns:p14="http://schemas.microsoft.com/office/powerpoint/2010/main" val="334393992"/>
+              </p:ext>
+            </p:extLst>
+          </p:nvPr>
+        </p:nvGraphicFramePr>
+        <p:xfrm>
+          <a:off x="4844452" y="4110275"/>
+          <a:ext cx="620712" cy="584200"/>
+        </p:xfrm>
+        <a:graphic>
+          <a:graphicData uri="http://schemas.openxmlformats.org/presentationml/2006/ole">
+            <mc:AlternateContent xmlns:mc="http://schemas.openxmlformats.org/markup-compatibility/2006">
+              <mc:Choice xmlns:v="urn:schemas-microsoft-com:vml" Requires="v">
+                <p:oleObj name="Equation" r:id="rId25" imgW="215640" imgH="203040" progId="Equation.DSMT4">
+                  <p:embed/>
+                </p:oleObj>
+              </mc:Choice>
+              <mc:Fallback>
+                <p:oleObj name="Equation" r:id="rId25" imgW="215640" imgH="203040" progId="Equation.DSMT4">
+                  <p:embed/>
+                  <p:pic>
+                    <p:nvPicPr>
+                      <p:cNvPr id="71" name="Об'єкт 70">
+                        <a:extLst>
+                          <a:ext uri="{FF2B5EF4-FFF2-40B4-BE49-F238E27FC236}">
+                            <a16:creationId xmlns:a16="http://schemas.microsoft.com/office/drawing/2014/main" id="{953B1ED6-72CA-9F9E-4F0B-FC42864FFF46}"/>
+                          </a:ext>
+                        </a:extLst>
+                      </p:cNvPr>
+                      <p:cNvPicPr/>
+                      <p:nvPr/>
+                    </p:nvPicPr>
+                    <p:blipFill>
+                      <a:blip r:embed="rId26"/>
+                      <a:stretch>
+                        <a:fillRect/>
+                      </a:stretch>
+                    </p:blipFill>
+                    <p:spPr>
+                      <a:xfrm>
+                        <a:off x="4844452" y="4110275"/>
+                        <a:ext cx="620712" cy="584200"/>
+                      </a:xfrm>
+                      <a:prstGeom prst="rect">
+                        <a:avLst/>
+                      </a:prstGeom>
+                    </p:spPr>
+                  </p:pic>
+                </p:oleObj>
+              </mc:Fallback>
+            </mc:AlternateContent>
+          </a:graphicData>
+        </a:graphic>
+      </p:graphicFrame>
+      <p:graphicFrame>
+        <p:nvGraphicFramePr>
+          <p:cNvPr id="73" name="Об'єкт 72">
+            <a:extLst>
+              <a:ext uri="{FF2B5EF4-FFF2-40B4-BE49-F238E27FC236}">
+                <a16:creationId xmlns:a16="http://schemas.microsoft.com/office/drawing/2014/main" id="{715936D5-7305-5C92-BD7C-68AA5D85D99B}"/>
+              </a:ext>
+            </a:extLst>
+          </p:cNvPr>
+          <p:cNvGraphicFramePr>
+            <a:graphicFrameLocks noChangeAspect="1"/>
+          </p:cNvGraphicFramePr>
+          <p:nvPr>
+            <p:extLst>
+              <p:ext uri="{D42A27DB-BD31-4B8C-83A1-F6EECF244321}">
+                <p14:modId xmlns:p14="http://schemas.microsoft.com/office/powerpoint/2010/main" val="3785776007"/>
+              </p:ext>
+            </p:extLst>
+          </p:nvPr>
+        </p:nvGraphicFramePr>
+        <p:xfrm>
+          <a:off x="7104956" y="4912182"/>
+          <a:ext cx="1018530" cy="525693"/>
+        </p:xfrm>
+        <a:graphic>
+          <a:graphicData uri="http://schemas.openxmlformats.org/presentationml/2006/ole">
+            <mc:AlternateContent xmlns:mc="http://schemas.openxmlformats.org/markup-compatibility/2006">
+              <mc:Choice xmlns:v="urn:schemas-microsoft-com:vml" Requires="v">
+                <p:oleObj name="Equation" r:id="rId27" imgW="393480" imgH="203040" progId="Equation.DSMT4">
+                  <p:embed/>
+                </p:oleObj>
+              </mc:Choice>
+              <mc:Fallback>
+                <p:oleObj name="Equation" r:id="rId27" imgW="393480" imgH="203040" progId="Equation.DSMT4">
+                  <p:embed/>
+                  <p:pic>
+                    <p:nvPicPr>
+                      <p:cNvPr id="72" name="Об'єкт 71">
+                        <a:extLst>
+                          <a:ext uri="{FF2B5EF4-FFF2-40B4-BE49-F238E27FC236}">
+                            <a16:creationId xmlns:a16="http://schemas.microsoft.com/office/drawing/2014/main" id="{F40D5DFB-6F4B-8702-838B-2493A2091C01}"/>
+                          </a:ext>
+                        </a:extLst>
+                      </p:cNvPr>
+                      <p:cNvPicPr/>
+                      <p:nvPr/>
+                    </p:nvPicPr>
+                    <p:blipFill>
+                      <a:blip r:embed="rId28"/>
+                      <a:stretch>
+                        <a:fillRect/>
+                      </a:stretch>
+                    </p:blipFill>
+                    <p:spPr>
+                      <a:xfrm>
+                        <a:off x="7104956" y="4912182"/>
+                        <a:ext cx="1018530" cy="525693"/>
+                      </a:xfrm>
+                      <a:prstGeom prst="rect">
+                        <a:avLst/>
+                      </a:prstGeom>
+                    </p:spPr>
+                  </p:pic>
+                </p:oleObj>
+              </mc:Fallback>
+            </mc:AlternateContent>
+          </a:graphicData>
+        </a:graphic>
+      </p:graphicFrame>
+      <p:graphicFrame>
+        <p:nvGraphicFramePr>
+          <p:cNvPr id="74" name="Об'єкт 73">
+            <a:extLst>
+              <a:ext uri="{FF2B5EF4-FFF2-40B4-BE49-F238E27FC236}">
+                <a16:creationId xmlns:a16="http://schemas.microsoft.com/office/drawing/2014/main" id="{6203659A-B9EF-DE16-84A0-1D928ED12E1A}"/>
+              </a:ext>
+            </a:extLst>
+          </p:cNvPr>
+          <p:cNvGraphicFramePr>
+            <a:graphicFrameLocks noChangeAspect="1"/>
+          </p:cNvGraphicFramePr>
+          <p:nvPr>
+            <p:extLst>
+              <p:ext uri="{D42A27DB-BD31-4B8C-83A1-F6EECF244321}">
+                <p14:modId xmlns:p14="http://schemas.microsoft.com/office/powerpoint/2010/main" val="3314931804"/>
+              </p:ext>
+            </p:extLst>
+          </p:nvPr>
+        </p:nvGraphicFramePr>
+        <p:xfrm>
+          <a:off x="5748877" y="1846263"/>
+          <a:ext cx="876300" cy="620712"/>
+        </p:xfrm>
+        <a:graphic>
+          <a:graphicData uri="http://schemas.openxmlformats.org/presentationml/2006/ole">
+            <mc:AlternateContent xmlns:mc="http://schemas.openxmlformats.org/markup-compatibility/2006">
+              <mc:Choice xmlns:v="urn:schemas-microsoft-com:vml" Requires="v">
+                <p:oleObj name="Equation" r:id="rId29" imgW="304560" imgH="215640" progId="Equation.DSMT4">
+                  <p:embed/>
+                </p:oleObj>
+              </mc:Choice>
+              <mc:Fallback>
+                <p:oleObj name="Equation" r:id="rId29" imgW="304560" imgH="215640" progId="Equation.DSMT4">
+                  <p:embed/>
+                  <p:pic>
+                    <p:nvPicPr>
+                      <p:cNvPr id="71" name="Об'єкт 70">
+                        <a:extLst>
+                          <a:ext uri="{FF2B5EF4-FFF2-40B4-BE49-F238E27FC236}">
+                            <a16:creationId xmlns:a16="http://schemas.microsoft.com/office/drawing/2014/main" id="{953B1ED6-72CA-9F9E-4F0B-FC42864FFF46}"/>
+                          </a:ext>
+                        </a:extLst>
+                      </p:cNvPr>
+                      <p:cNvPicPr/>
+                      <p:nvPr/>
+                    </p:nvPicPr>
+                    <p:blipFill>
+                      <a:blip r:embed="rId30"/>
+                      <a:stretch>
+                        <a:fillRect/>
+                      </a:stretch>
+                    </p:blipFill>
+                    <p:spPr>
+                      <a:xfrm>
+                        <a:off x="5748877" y="1846263"/>
+                        <a:ext cx="876300" cy="620712"/>
+                      </a:xfrm>
+                      <a:prstGeom prst="rect">
+                        <a:avLst/>
+                      </a:prstGeom>
+                    </p:spPr>
+                  </p:pic>
+                </p:oleObj>
+              </mc:Fallback>
+            </mc:AlternateContent>
+          </a:graphicData>
+        </a:graphic>
+      </p:graphicFrame>
+      <p:graphicFrame>
+        <p:nvGraphicFramePr>
+          <p:cNvPr id="75" name="Об'єкт 74">
+            <a:extLst>
+              <a:ext uri="{FF2B5EF4-FFF2-40B4-BE49-F238E27FC236}">
+                <a16:creationId xmlns:a16="http://schemas.microsoft.com/office/drawing/2014/main" id="{42DE4257-22A6-32D8-1E01-9A5DD52DB150}"/>
+              </a:ext>
+            </a:extLst>
+          </p:cNvPr>
+          <p:cNvGraphicFramePr>
+            <a:graphicFrameLocks noChangeAspect="1"/>
+          </p:cNvGraphicFramePr>
+          <p:nvPr>
+            <p:extLst>
+              <p:ext uri="{D42A27DB-BD31-4B8C-83A1-F6EECF244321}">
+                <p14:modId xmlns:p14="http://schemas.microsoft.com/office/powerpoint/2010/main" val="3814877270"/>
+              </p:ext>
+            </p:extLst>
+          </p:nvPr>
+        </p:nvGraphicFramePr>
+        <p:xfrm>
+          <a:off x="7235541" y="2488229"/>
+          <a:ext cx="547688" cy="657225"/>
+        </p:xfrm>
+        <a:graphic>
+          <a:graphicData uri="http://schemas.openxmlformats.org/presentationml/2006/ole">
+            <mc:AlternateContent xmlns:mc="http://schemas.openxmlformats.org/markup-compatibility/2006">
+              <mc:Choice xmlns:v="urn:schemas-microsoft-com:vml" Requires="v">
+                <p:oleObj name="Equation" r:id="rId31" imgW="190440" imgH="228600" progId="Equation.DSMT4">
+                  <p:embed/>
+                </p:oleObj>
+              </mc:Choice>
+              <mc:Fallback>
+                <p:oleObj name="Equation" r:id="rId31" imgW="190440" imgH="228600" progId="Equation.DSMT4">
+                  <p:embed/>
+                  <p:pic>
+                    <p:nvPicPr>
+                      <p:cNvPr id="72" name="Об'єкт 71">
+                        <a:extLst>
+                          <a:ext uri="{FF2B5EF4-FFF2-40B4-BE49-F238E27FC236}">
+                            <a16:creationId xmlns:a16="http://schemas.microsoft.com/office/drawing/2014/main" id="{F40D5DFB-6F4B-8702-838B-2493A2091C01}"/>
+                          </a:ext>
+                        </a:extLst>
+                      </p:cNvPr>
+                      <p:cNvPicPr/>
+                      <p:nvPr/>
+                    </p:nvPicPr>
+                    <p:blipFill>
+                      <a:blip r:embed="rId32"/>
+                      <a:stretch>
+                        <a:fillRect/>
+                      </a:stretch>
+                    </p:blipFill>
+                    <p:spPr>
+                      <a:xfrm>
+                        <a:off x="7235541" y="2488229"/>
+                        <a:ext cx="547688" cy="657225"/>
+                      </a:xfrm>
+                      <a:prstGeom prst="rect">
+                        <a:avLst/>
+                      </a:prstGeom>
+                    </p:spPr>
+                  </p:pic>
+                </p:oleObj>
+              </mc:Fallback>
+            </mc:AlternateContent>
+          </a:graphicData>
+        </a:graphic>
+      </p:graphicFrame>
+      <p:graphicFrame>
+        <p:nvGraphicFramePr>
+          <p:cNvPr id="76" name="Об'єкт 75">
+            <a:extLst>
+              <a:ext uri="{FF2B5EF4-FFF2-40B4-BE49-F238E27FC236}">
+                <a16:creationId xmlns:a16="http://schemas.microsoft.com/office/drawing/2014/main" id="{0BB84D42-5CB4-0204-3576-4A5A61208D59}"/>
+              </a:ext>
+            </a:extLst>
+          </p:cNvPr>
+          <p:cNvGraphicFramePr>
+            <a:graphicFrameLocks noChangeAspect="1"/>
+          </p:cNvGraphicFramePr>
+          <p:nvPr>
+            <p:extLst>
+              <p:ext uri="{D42A27DB-BD31-4B8C-83A1-F6EECF244321}">
+                <p14:modId xmlns:p14="http://schemas.microsoft.com/office/powerpoint/2010/main" val="403828593"/>
+              </p:ext>
+            </p:extLst>
+          </p:nvPr>
+        </p:nvGraphicFramePr>
+        <p:xfrm>
+          <a:off x="9638394" y="4143507"/>
+          <a:ext cx="438150" cy="474662"/>
+        </p:xfrm>
+        <a:graphic>
+          <a:graphicData uri="http://schemas.openxmlformats.org/presentationml/2006/ole">
+            <mc:AlternateContent xmlns:mc="http://schemas.openxmlformats.org/markup-compatibility/2006">
+              <mc:Choice xmlns:v="urn:schemas-microsoft-com:vml" Requires="v">
+                <p:oleObj name="Equation" r:id="rId33" imgW="152280" imgH="164880" progId="Equation.DSMT4">
+                  <p:embed/>
+                </p:oleObj>
+              </mc:Choice>
+              <mc:Fallback>
+                <p:oleObj name="Equation" r:id="rId33" imgW="152280" imgH="164880" progId="Equation.DSMT4">
+                  <p:embed/>
+                  <p:pic>
+                    <p:nvPicPr>
+                      <p:cNvPr id="75" name="Об'єкт 74">
+                        <a:extLst>
+                          <a:ext uri="{FF2B5EF4-FFF2-40B4-BE49-F238E27FC236}">
+                            <a16:creationId xmlns:a16="http://schemas.microsoft.com/office/drawing/2014/main" id="{42DE4257-22A6-32D8-1E01-9A5DD52DB150}"/>
+                          </a:ext>
+                        </a:extLst>
+                      </p:cNvPr>
+                      <p:cNvPicPr/>
+                      <p:nvPr/>
+                    </p:nvPicPr>
+                    <p:blipFill>
+                      <a:blip r:embed="rId34"/>
+                      <a:stretch>
+                        <a:fillRect/>
+                      </a:stretch>
+                    </p:blipFill>
+                    <p:spPr>
+                      <a:xfrm>
+                        <a:off x="9638394" y="4143507"/>
+                        <a:ext cx="438150" cy="474662"/>
+                      </a:xfrm>
+                      <a:prstGeom prst="rect">
+                        <a:avLst/>
+                      </a:prstGeom>
+                    </p:spPr>
+                  </p:pic>
+                </p:oleObj>
+              </mc:Fallback>
+            </mc:AlternateContent>
+          </a:graphicData>
+        </a:graphic>
+      </p:graphicFrame>
       <p:pic>
         <p:nvPicPr>
-          <p:cNvPr id="47" name="Picture 46">
-            <a:extLst>
-              <a:ext uri="{FF2B5EF4-FFF2-40B4-BE49-F238E27FC236}">
-                <a16:creationId xmlns:a16="http://schemas.microsoft.com/office/drawing/2014/main" id="{4226D06A-3D62-A32B-9DD6-41B62DAAEAB3}"/>
+          <p:cNvPr id="78" name="Рисунок 77">
+            <a:extLst>
+              <a:ext uri="{FF2B5EF4-FFF2-40B4-BE49-F238E27FC236}">
+                <a16:creationId xmlns:a16="http://schemas.microsoft.com/office/drawing/2014/main" id="{A174A256-E53A-F6C3-C00D-0FD86916CCE2}"/>
               </a:ext>
             </a:extLst>
           </p:cNvPr>
@@ -5728,87 +7046,27 @@
           <p:nvPr/>
         </p:nvPicPr>
         <p:blipFill>
-          <a:blip r:embed="rId15"/>
+          <a:blip r:embed="rId35">
+            <a:extLst>
+              <a:ext uri="{28A0092B-C50C-407E-A947-70E740481C1C}">
+                <a14:useLocalDpi xmlns:a14="http://schemas.microsoft.com/office/drawing/2010/main" val="0"/>
+              </a:ext>
+            </a:extLst>
+          </a:blip>
           <a:stretch>
             <a:fillRect/>
           </a:stretch>
         </p:blipFill>
         <p:spPr>
           <a:xfrm>
-            <a:off x="10366603" y="2980748"/>
-            <a:ext cx="793319" cy="679587"/>
+            <a:off x="1044577" y="3329151"/>
+            <a:ext cx="962559" cy="445986"/>
           </a:xfrm>
           <a:prstGeom prst="rect">
             <a:avLst/>
           </a:prstGeom>
         </p:spPr>
       </p:pic>
-      <p:pic>
-        <p:nvPicPr>
-          <p:cNvPr id="49" name="Picture 48">
-            <a:extLst>
-              <a:ext uri="{FF2B5EF4-FFF2-40B4-BE49-F238E27FC236}">
-                <a16:creationId xmlns:a16="http://schemas.microsoft.com/office/drawing/2014/main" id="{C66591D4-1E17-98CF-FCE3-21586D5E575B}"/>
-              </a:ext>
-            </a:extLst>
-          </p:cNvPr>
-          <p:cNvPicPr>
-            <a:picLocks noChangeAspect="1"/>
-          </p:cNvPicPr>
-          <p:nvPr/>
-        </p:nvPicPr>
-        <p:blipFill>
-          <a:blip r:embed="rId16"/>
-          <a:stretch>
-            <a:fillRect/>
-          </a:stretch>
-        </p:blipFill>
-        <p:spPr>
-          <a:xfrm>
-            <a:off x="9502642" y="4592768"/>
-            <a:ext cx="1032836" cy="774207"/>
-          </a:xfrm>
-          <a:prstGeom prst="rect">
-            <a:avLst/>
-          </a:prstGeom>
-        </p:spPr>
-      </p:pic>
-      <p:sp>
-        <p:nvSpPr>
-          <p:cNvPr id="50" name="TextBox 49">
-            <a:extLst>
-              <a:ext uri="{FF2B5EF4-FFF2-40B4-BE49-F238E27FC236}">
-                <a16:creationId xmlns:a16="http://schemas.microsoft.com/office/drawing/2014/main" id="{FC3914EE-C707-9432-7114-F4FC7BE46A4C}"/>
-              </a:ext>
-            </a:extLst>
-          </p:cNvPr>
-          <p:cNvSpPr txBox="1"/>
-          <p:nvPr/>
-        </p:nvSpPr>
-        <p:spPr>
-          <a:xfrm>
-            <a:off x="8866501" y="5725019"/>
-            <a:ext cx="1609415" cy="338554"/>
-          </a:xfrm>
-          <a:prstGeom prst="rect">
-            <a:avLst/>
-          </a:prstGeom>
-          <a:noFill/>
-        </p:spPr>
-        <p:txBody>
-          <a:bodyPr wrap="none" rtlCol="0">
-            <a:spAutoFit/>
-          </a:bodyPr>
-          <a:lstStyle/>
-          <a:p>
-            <a:r>
-              <a:rPr lang="en-US" sz="1600" dirty="0"/>
-              <a:t>Illumination time</a:t>
-            </a:r>
-            <a:endParaRPr lang="ru-UA" sz="1600" dirty="0"/>
-          </a:p>
-        </p:txBody>
-      </p:sp>
     </p:spTree>
     <p:extLst>
       <p:ext uri="{BB962C8B-B14F-4D97-AF65-F5344CB8AC3E}">
